--- a/Py B - unit 2.pptx
+++ b/Py B - unit 2.pptx
@@ -9,16 +9,27 @@
     <p:sldId id="257" r:id="rId3"/>
     <p:sldId id="267" r:id="rId4"/>
     <p:sldId id="259" r:id="rId5"/>
-    <p:sldId id="271" r:id="rId6"/>
-    <p:sldId id="258" r:id="rId7"/>
-    <p:sldId id="268" r:id="rId8"/>
-    <p:sldId id="285" r:id="rId9"/>
-    <p:sldId id="260" r:id="rId10"/>
-    <p:sldId id="283" r:id="rId11"/>
-    <p:sldId id="272" r:id="rId12"/>
-    <p:sldId id="284" r:id="rId13"/>
-    <p:sldId id="269" r:id="rId14"/>
-    <p:sldId id="270" r:id="rId15"/>
+    <p:sldId id="286" r:id="rId6"/>
+    <p:sldId id="271" r:id="rId7"/>
+    <p:sldId id="287" r:id="rId8"/>
+    <p:sldId id="258" r:id="rId9"/>
+    <p:sldId id="288" r:id="rId10"/>
+    <p:sldId id="268" r:id="rId11"/>
+    <p:sldId id="289" r:id="rId12"/>
+    <p:sldId id="285" r:id="rId13"/>
+    <p:sldId id="290" r:id="rId14"/>
+    <p:sldId id="260" r:id="rId15"/>
+    <p:sldId id="291" r:id="rId16"/>
+    <p:sldId id="283" r:id="rId17"/>
+    <p:sldId id="292" r:id="rId18"/>
+    <p:sldId id="272" r:id="rId19"/>
+    <p:sldId id="293" r:id="rId20"/>
+    <p:sldId id="284" r:id="rId21"/>
+    <p:sldId id="294" r:id="rId22"/>
+    <p:sldId id="269" r:id="rId23"/>
+    <p:sldId id="295" r:id="rId24"/>
+    <p:sldId id="270" r:id="rId25"/>
+    <p:sldId id="296" r:id="rId26"/>
   </p:sldIdLst>
   <p:sldSz cx="12192000" cy="6858000"/>
   <p:notesSz cx="6858000" cy="9144000"/>
@@ -128,13 +139,585 @@
 <file path=ppt/revisionInfo.xml><?xml version="1.0" encoding="utf-8"?>
 <p1510:revInfo xmlns:a="http://schemas.openxmlformats.org/drawingml/2006/main" xmlns:r="http://schemas.openxmlformats.org/officeDocument/2006/relationships" xmlns:p1510="http://schemas.microsoft.com/office/powerpoint/2015/10/main">
   <p1510:revLst>
-    <p1510:client id="{1586F562-4063-4BC9-BBAB-BD8B389D253D}" v="1" dt="2021-05-31T08:59:38.539"/>
+    <p1510:client id="{8CB8A183-D964-4EA0-8215-89BB88A0586D}" v="1" dt="2021-10-05T07:01:36.675"/>
   </p1510:revLst>
 </p1510:revInfo>
 </file>
 
 <file path=ppt/changesInfos/changesInfo1.xml><?xml version="1.0" encoding="utf-8"?>
 <pc:chgInfo xmlns:a="http://schemas.openxmlformats.org/drawingml/2006/main" xmlns:r="http://schemas.openxmlformats.org/officeDocument/2006/relationships" xmlns:ac="http://schemas.microsoft.com/office/drawing/2013/main/command" xmlns:pc="http://schemas.microsoft.com/office/powerpoint/2013/main/command">
+  <pc:docChgLst>
+    <pc:chgData name="Li Lixiang" userId="6104bbfcb56aea79" providerId="LiveId" clId="{8CB8A183-D964-4EA0-8215-89BB88A0586D}"/>
+    <pc:docChg chg="custSel addSld modSld">
+      <pc:chgData name="Li Lixiang" userId="6104bbfcb56aea79" providerId="LiveId" clId="{8CB8A183-D964-4EA0-8215-89BB88A0586D}" dt="2021-10-05T07:14:08.187" v="192" actId="732"/>
+      <pc:docMkLst>
+        <pc:docMk/>
+      </pc:docMkLst>
+      <pc:sldChg chg="modSp mod">
+        <pc:chgData name="Li Lixiang" userId="6104bbfcb56aea79" providerId="LiveId" clId="{8CB8A183-D964-4EA0-8215-89BB88A0586D}" dt="2021-10-05T05:03:10.276" v="93" actId="20577"/>
+        <pc:sldMkLst>
+          <pc:docMk/>
+          <pc:sldMk cId="1167250398" sldId="260"/>
+        </pc:sldMkLst>
+        <pc:spChg chg="mod">
+          <ac:chgData name="Li Lixiang" userId="6104bbfcb56aea79" providerId="LiveId" clId="{8CB8A183-D964-4EA0-8215-89BB88A0586D}" dt="2021-10-05T05:03:10.276" v="93" actId="20577"/>
+          <ac:spMkLst>
+            <pc:docMk/>
+            <pc:sldMk cId="1167250398" sldId="260"/>
+            <ac:spMk id="2" creationId="{5EC01E2D-9CFE-4D5D-8863-3BA90731F07B}"/>
+          </ac:spMkLst>
+        </pc:spChg>
+      </pc:sldChg>
+      <pc:sldChg chg="addSp delSp mod">
+        <pc:chgData name="Li Lixiang" userId="6104bbfcb56aea79" providerId="LiveId" clId="{8CB8A183-D964-4EA0-8215-89BB88A0586D}" dt="2021-10-05T07:01:34.380" v="145" actId="21"/>
+        <pc:sldMkLst>
+          <pc:docMk/>
+          <pc:sldMk cId="2287529749" sldId="284"/>
+        </pc:sldMkLst>
+        <pc:picChg chg="add del">
+          <ac:chgData name="Li Lixiang" userId="6104bbfcb56aea79" providerId="LiveId" clId="{8CB8A183-D964-4EA0-8215-89BB88A0586D}" dt="2021-10-05T07:01:34.380" v="145" actId="21"/>
+          <ac:picMkLst>
+            <pc:docMk/>
+            <pc:sldMk cId="2287529749" sldId="284"/>
+            <ac:picMk id="5" creationId="{9405F123-30C1-43BB-BBE5-A00D62366F85}"/>
+          </ac:picMkLst>
+        </pc:picChg>
+      </pc:sldChg>
+      <pc:sldChg chg="addSp delSp modSp new mod">
+        <pc:chgData name="Li Lixiang" userId="6104bbfcb56aea79" providerId="LiveId" clId="{8CB8A183-D964-4EA0-8215-89BB88A0586D}" dt="2021-10-05T03:56:16.549" v="20" actId="1076"/>
+        <pc:sldMkLst>
+          <pc:docMk/>
+          <pc:sldMk cId="917892453" sldId="286"/>
+        </pc:sldMkLst>
+        <pc:spChg chg="mod">
+          <ac:chgData name="Li Lixiang" userId="6104bbfcb56aea79" providerId="LiveId" clId="{8CB8A183-D964-4EA0-8215-89BB88A0586D}" dt="2021-10-05T03:36:15.732" v="1"/>
+          <ac:spMkLst>
+            <pc:docMk/>
+            <pc:sldMk cId="917892453" sldId="286"/>
+            <ac:spMk id="2" creationId="{42E9CBF1-03A9-471C-9F2A-46D4A01416EC}"/>
+          </ac:spMkLst>
+        </pc:spChg>
+        <pc:spChg chg="del">
+          <ac:chgData name="Li Lixiang" userId="6104bbfcb56aea79" providerId="LiveId" clId="{8CB8A183-D964-4EA0-8215-89BB88A0586D}" dt="2021-10-05T03:36:20.032" v="2" actId="478"/>
+          <ac:spMkLst>
+            <pc:docMk/>
+            <pc:sldMk cId="917892453" sldId="286"/>
+            <ac:spMk id="3" creationId="{5800CF5F-EB4B-40F2-85AD-D5E24610C8B8}"/>
+          </ac:spMkLst>
+        </pc:spChg>
+        <pc:picChg chg="add mod">
+          <ac:chgData name="Li Lixiang" userId="6104bbfcb56aea79" providerId="LiveId" clId="{8CB8A183-D964-4EA0-8215-89BB88A0586D}" dt="2021-10-05T03:56:16.549" v="20" actId="1076"/>
+          <ac:picMkLst>
+            <pc:docMk/>
+            <pc:sldMk cId="917892453" sldId="286"/>
+            <ac:picMk id="5" creationId="{D12E3B46-A511-4C14-BC4A-177659E879ED}"/>
+          </ac:picMkLst>
+        </pc:picChg>
+        <pc:picChg chg="add mod modCrop">
+          <ac:chgData name="Li Lixiang" userId="6104bbfcb56aea79" providerId="LiveId" clId="{8CB8A183-D964-4EA0-8215-89BB88A0586D}" dt="2021-10-05T03:56:16.549" v="20" actId="1076"/>
+          <ac:picMkLst>
+            <pc:docMk/>
+            <pc:sldMk cId="917892453" sldId="286"/>
+            <ac:picMk id="7" creationId="{D3CE277B-978F-4784-82C9-5F9E93ABF9C1}"/>
+          </ac:picMkLst>
+        </pc:picChg>
+        <pc:picChg chg="add mod">
+          <ac:chgData name="Li Lixiang" userId="6104bbfcb56aea79" providerId="LiveId" clId="{8CB8A183-D964-4EA0-8215-89BB88A0586D}" dt="2021-10-05T03:56:16.549" v="20" actId="1076"/>
+          <ac:picMkLst>
+            <pc:docMk/>
+            <pc:sldMk cId="917892453" sldId="286"/>
+            <ac:picMk id="9" creationId="{ED17F685-C074-41D1-A5D9-8DA56E5E7D17}"/>
+          </ac:picMkLst>
+        </pc:picChg>
+      </pc:sldChg>
+      <pc:sldChg chg="addSp delSp modSp new mod">
+        <pc:chgData name="Li Lixiang" userId="6104bbfcb56aea79" providerId="LiveId" clId="{8CB8A183-D964-4EA0-8215-89BB88A0586D}" dt="2021-10-05T04:00:27.666" v="32" actId="1076"/>
+        <pc:sldMkLst>
+          <pc:docMk/>
+          <pc:sldMk cId="153350714" sldId="287"/>
+        </pc:sldMkLst>
+        <pc:spChg chg="mod">
+          <ac:chgData name="Li Lixiang" userId="6104bbfcb56aea79" providerId="LiveId" clId="{8CB8A183-D964-4EA0-8215-89BB88A0586D}" dt="2021-10-05T03:56:47.057" v="22"/>
+          <ac:spMkLst>
+            <pc:docMk/>
+            <pc:sldMk cId="153350714" sldId="287"/>
+            <ac:spMk id="2" creationId="{8E7FEB35-E875-49E5-A8DF-80E9C23327C7}"/>
+          </ac:spMkLst>
+        </pc:spChg>
+        <pc:spChg chg="del">
+          <ac:chgData name="Li Lixiang" userId="6104bbfcb56aea79" providerId="LiveId" clId="{8CB8A183-D964-4EA0-8215-89BB88A0586D}" dt="2021-10-05T03:56:49.934" v="23" actId="478"/>
+          <ac:spMkLst>
+            <pc:docMk/>
+            <pc:sldMk cId="153350714" sldId="287"/>
+            <ac:spMk id="3" creationId="{3D416BB6-66EC-4A9F-B8A2-A7122098F94B}"/>
+          </ac:spMkLst>
+        </pc:spChg>
+        <pc:picChg chg="add mod modCrop">
+          <ac:chgData name="Li Lixiang" userId="6104bbfcb56aea79" providerId="LiveId" clId="{8CB8A183-D964-4EA0-8215-89BB88A0586D}" dt="2021-10-05T03:59:26.470" v="28" actId="1076"/>
+          <ac:picMkLst>
+            <pc:docMk/>
+            <pc:sldMk cId="153350714" sldId="287"/>
+            <ac:picMk id="5" creationId="{304FAC56-D49D-4472-9023-05ABA7DCE57D}"/>
+          </ac:picMkLst>
+        </pc:picChg>
+        <pc:picChg chg="add mod modCrop">
+          <ac:chgData name="Li Lixiang" userId="6104bbfcb56aea79" providerId="LiveId" clId="{8CB8A183-D964-4EA0-8215-89BB88A0586D}" dt="2021-10-05T04:00:27.666" v="32" actId="1076"/>
+          <ac:picMkLst>
+            <pc:docMk/>
+            <pc:sldMk cId="153350714" sldId="287"/>
+            <ac:picMk id="7" creationId="{493DADCC-D3D8-4E57-B3A1-4E3B1416B940}"/>
+          </ac:picMkLst>
+        </pc:picChg>
+      </pc:sldChg>
+      <pc:sldChg chg="addSp delSp modSp new mod">
+        <pc:chgData name="Li Lixiang" userId="6104bbfcb56aea79" providerId="LiveId" clId="{8CB8A183-D964-4EA0-8215-89BB88A0586D}" dt="2021-10-05T04:59:00.998" v="61" actId="1076"/>
+        <pc:sldMkLst>
+          <pc:docMk/>
+          <pc:sldMk cId="2697128416" sldId="288"/>
+        </pc:sldMkLst>
+        <pc:spChg chg="mod">
+          <ac:chgData name="Li Lixiang" userId="6104bbfcb56aea79" providerId="LiveId" clId="{8CB8A183-D964-4EA0-8215-89BB88A0586D}" dt="2021-10-05T04:03:10.790" v="37"/>
+          <ac:spMkLst>
+            <pc:docMk/>
+            <pc:sldMk cId="2697128416" sldId="288"/>
+            <ac:spMk id="2" creationId="{DFB3CCB4-0520-4360-9D8C-E6E0C0CD2798}"/>
+          </ac:spMkLst>
+        </pc:spChg>
+        <pc:spChg chg="del">
+          <ac:chgData name="Li Lixiang" userId="6104bbfcb56aea79" providerId="LiveId" clId="{8CB8A183-D964-4EA0-8215-89BB88A0586D}" dt="2021-10-05T04:03:02.253" v="34" actId="478"/>
+          <ac:spMkLst>
+            <pc:docMk/>
+            <pc:sldMk cId="2697128416" sldId="288"/>
+            <ac:spMk id="3" creationId="{089BB42F-4DB6-4BE4-B1ED-045638554D82}"/>
+          </ac:spMkLst>
+        </pc:spChg>
+        <pc:picChg chg="add mod">
+          <ac:chgData name="Li Lixiang" userId="6104bbfcb56aea79" providerId="LiveId" clId="{8CB8A183-D964-4EA0-8215-89BB88A0586D}" dt="2021-10-05T04:56:56.198" v="57" actId="1076"/>
+          <ac:picMkLst>
+            <pc:docMk/>
+            <pc:sldMk cId="2697128416" sldId="288"/>
+            <ac:picMk id="5" creationId="{A2D6ADE4-8051-407C-A763-36197658084B}"/>
+          </ac:picMkLst>
+        </pc:picChg>
+        <pc:picChg chg="add mod">
+          <ac:chgData name="Li Lixiang" userId="6104bbfcb56aea79" providerId="LiveId" clId="{8CB8A183-D964-4EA0-8215-89BB88A0586D}" dt="2021-10-05T04:56:56.198" v="57" actId="1076"/>
+          <ac:picMkLst>
+            <pc:docMk/>
+            <pc:sldMk cId="2697128416" sldId="288"/>
+            <ac:picMk id="7" creationId="{AEE60650-49BB-4DEB-B284-44F7525A5E89}"/>
+          </ac:picMkLst>
+        </pc:picChg>
+        <pc:picChg chg="add mod">
+          <ac:chgData name="Li Lixiang" userId="6104bbfcb56aea79" providerId="LiveId" clId="{8CB8A183-D964-4EA0-8215-89BB88A0586D}" dt="2021-10-05T04:57:56.667" v="59" actId="1076"/>
+          <ac:picMkLst>
+            <pc:docMk/>
+            <pc:sldMk cId="2697128416" sldId="288"/>
+            <ac:picMk id="9" creationId="{BF9AF2E6-DF04-4667-9E67-6A72A75E19FC}"/>
+          </ac:picMkLst>
+        </pc:picChg>
+        <pc:picChg chg="add mod">
+          <ac:chgData name="Li Lixiang" userId="6104bbfcb56aea79" providerId="LiveId" clId="{8CB8A183-D964-4EA0-8215-89BB88A0586D}" dt="2021-10-05T04:59:00.998" v="61" actId="1076"/>
+          <ac:picMkLst>
+            <pc:docMk/>
+            <pc:sldMk cId="2697128416" sldId="288"/>
+            <ac:picMk id="11" creationId="{F321773D-F7C5-4B22-96CC-FC8DEDB7371E}"/>
+          </ac:picMkLst>
+        </pc:picChg>
+      </pc:sldChg>
+      <pc:sldChg chg="addSp delSp modSp new mod">
+        <pc:chgData name="Li Lixiang" userId="6104bbfcb56aea79" providerId="LiveId" clId="{8CB8A183-D964-4EA0-8215-89BB88A0586D}" dt="2021-10-05T05:00:15.421" v="66" actId="1076"/>
+        <pc:sldMkLst>
+          <pc:docMk/>
+          <pc:sldMk cId="1414751857" sldId="289"/>
+        </pc:sldMkLst>
+        <pc:spChg chg="mod">
+          <ac:chgData name="Li Lixiang" userId="6104bbfcb56aea79" providerId="LiveId" clId="{8CB8A183-D964-4EA0-8215-89BB88A0586D}" dt="2021-10-05T04:05:53.960" v="42"/>
+          <ac:spMkLst>
+            <pc:docMk/>
+            <pc:sldMk cId="1414751857" sldId="289"/>
+            <ac:spMk id="2" creationId="{5046FEB7-D956-435C-A2BD-74E17F61BA96}"/>
+          </ac:spMkLst>
+        </pc:spChg>
+        <pc:spChg chg="del">
+          <ac:chgData name="Li Lixiang" userId="6104bbfcb56aea79" providerId="LiveId" clId="{8CB8A183-D964-4EA0-8215-89BB88A0586D}" dt="2021-10-05T04:06:02.069" v="43" actId="478"/>
+          <ac:spMkLst>
+            <pc:docMk/>
+            <pc:sldMk cId="1414751857" sldId="289"/>
+            <ac:spMk id="3" creationId="{D05539D5-D3F6-46B8-A99F-A82329162F51}"/>
+          </ac:spMkLst>
+        </pc:spChg>
+        <pc:picChg chg="add mod modCrop">
+          <ac:chgData name="Li Lixiang" userId="6104bbfcb56aea79" providerId="LiveId" clId="{8CB8A183-D964-4EA0-8215-89BB88A0586D}" dt="2021-10-05T04:54:55.997" v="46" actId="1076"/>
+          <ac:picMkLst>
+            <pc:docMk/>
+            <pc:sldMk cId="1414751857" sldId="289"/>
+            <ac:picMk id="5" creationId="{6B434DE6-B152-4317-B1DC-D37E9B273D94}"/>
+          </ac:picMkLst>
+        </pc:picChg>
+        <pc:picChg chg="add mod modCrop">
+          <ac:chgData name="Li Lixiang" userId="6104bbfcb56aea79" providerId="LiveId" clId="{8CB8A183-D964-4EA0-8215-89BB88A0586D}" dt="2021-10-05T04:55:44.159" v="54" actId="1076"/>
+          <ac:picMkLst>
+            <pc:docMk/>
+            <pc:sldMk cId="1414751857" sldId="289"/>
+            <ac:picMk id="7" creationId="{28276190-2BBA-454A-AABF-42E269D63DDB}"/>
+          </ac:picMkLst>
+        </pc:picChg>
+        <pc:picChg chg="add mod">
+          <ac:chgData name="Li Lixiang" userId="6104bbfcb56aea79" providerId="LiveId" clId="{8CB8A183-D964-4EA0-8215-89BB88A0586D}" dt="2021-10-05T05:00:05.353" v="64" actId="1076"/>
+          <ac:picMkLst>
+            <pc:docMk/>
+            <pc:sldMk cId="1414751857" sldId="289"/>
+            <ac:picMk id="9" creationId="{C02643D2-01A8-4C18-810A-CEAE5012BDA1}"/>
+          </ac:picMkLst>
+        </pc:picChg>
+        <pc:picChg chg="add mod modCrop">
+          <ac:chgData name="Li Lixiang" userId="6104bbfcb56aea79" providerId="LiveId" clId="{8CB8A183-D964-4EA0-8215-89BB88A0586D}" dt="2021-10-05T05:00:15.421" v="66" actId="1076"/>
+          <ac:picMkLst>
+            <pc:docMk/>
+            <pc:sldMk cId="1414751857" sldId="289"/>
+            <ac:picMk id="11" creationId="{C8DB3B81-9CC0-49ED-B860-9EB2CC367E9A}"/>
+          </ac:picMkLst>
+        </pc:picChg>
+      </pc:sldChg>
+      <pc:sldChg chg="addSp delSp modSp new mod">
+        <pc:chgData name="Li Lixiang" userId="6104bbfcb56aea79" providerId="LiveId" clId="{8CB8A183-D964-4EA0-8215-89BB88A0586D}" dt="2021-10-05T05:02:50.203" v="76" actId="1076"/>
+        <pc:sldMkLst>
+          <pc:docMk/>
+          <pc:sldMk cId="2395383120" sldId="290"/>
+        </pc:sldMkLst>
+        <pc:spChg chg="mod">
+          <ac:chgData name="Li Lixiang" userId="6104bbfcb56aea79" providerId="LiveId" clId="{8CB8A183-D964-4EA0-8215-89BB88A0586D}" dt="2021-10-05T05:00:34.756" v="68"/>
+          <ac:spMkLst>
+            <pc:docMk/>
+            <pc:sldMk cId="2395383120" sldId="290"/>
+            <ac:spMk id="2" creationId="{4F31DEF5-9D5E-451F-9D84-DB6B379E0705}"/>
+          </ac:spMkLst>
+        </pc:spChg>
+        <pc:spChg chg="del">
+          <ac:chgData name="Li Lixiang" userId="6104bbfcb56aea79" providerId="LiveId" clId="{8CB8A183-D964-4EA0-8215-89BB88A0586D}" dt="2021-10-05T05:00:39.692" v="69" actId="478"/>
+          <ac:spMkLst>
+            <pc:docMk/>
+            <pc:sldMk cId="2395383120" sldId="290"/>
+            <ac:spMk id="3" creationId="{413DBBB4-BCFC-40E8-909C-08CFD0DA69A2}"/>
+          </ac:spMkLst>
+        </pc:spChg>
+        <pc:picChg chg="add mod modCrop">
+          <ac:chgData name="Li Lixiang" userId="6104bbfcb56aea79" providerId="LiveId" clId="{8CB8A183-D964-4EA0-8215-89BB88A0586D}" dt="2021-10-05T05:02:50.203" v="76" actId="1076"/>
+          <ac:picMkLst>
+            <pc:docMk/>
+            <pc:sldMk cId="2395383120" sldId="290"/>
+            <ac:picMk id="5" creationId="{DC02A19D-1F05-4F06-84C6-6BC9514C3972}"/>
+          </ac:picMkLst>
+        </pc:picChg>
+        <pc:picChg chg="add mod">
+          <ac:chgData name="Li Lixiang" userId="6104bbfcb56aea79" providerId="LiveId" clId="{8CB8A183-D964-4EA0-8215-89BB88A0586D}" dt="2021-10-05T05:02:48.725" v="75" actId="1076"/>
+          <ac:picMkLst>
+            <pc:docMk/>
+            <pc:sldMk cId="2395383120" sldId="290"/>
+            <ac:picMk id="7" creationId="{74B432FC-F364-40E3-ACFD-03B44F89CA41}"/>
+          </ac:picMkLst>
+        </pc:picChg>
+      </pc:sldChg>
+      <pc:sldChg chg="addSp delSp modSp new mod">
+        <pc:chgData name="Li Lixiang" userId="6104bbfcb56aea79" providerId="LiveId" clId="{8CB8A183-D964-4EA0-8215-89BB88A0586D}" dt="2021-10-05T05:14:22.728" v="113" actId="1076"/>
+        <pc:sldMkLst>
+          <pc:docMk/>
+          <pc:sldMk cId="2674231362" sldId="291"/>
+        </pc:sldMkLst>
+        <pc:spChg chg="mod">
+          <ac:chgData name="Li Lixiang" userId="6104bbfcb56aea79" providerId="LiveId" clId="{8CB8A183-D964-4EA0-8215-89BB88A0586D}" dt="2021-10-05T05:03:36.046" v="95"/>
+          <ac:spMkLst>
+            <pc:docMk/>
+            <pc:sldMk cId="2674231362" sldId="291"/>
+            <ac:spMk id="2" creationId="{1C168777-A3B0-4890-8112-40E77C08C33A}"/>
+          </ac:spMkLst>
+        </pc:spChg>
+        <pc:spChg chg="del">
+          <ac:chgData name="Li Lixiang" userId="6104bbfcb56aea79" providerId="LiveId" clId="{8CB8A183-D964-4EA0-8215-89BB88A0586D}" dt="2021-10-05T05:03:41.337" v="96" actId="478"/>
+          <ac:spMkLst>
+            <pc:docMk/>
+            <pc:sldMk cId="2674231362" sldId="291"/>
+            <ac:spMk id="3" creationId="{81ADD5BE-E957-41A7-9271-213C3FAB5568}"/>
+          </ac:spMkLst>
+        </pc:spChg>
+        <pc:picChg chg="add mod">
+          <ac:chgData name="Li Lixiang" userId="6104bbfcb56aea79" providerId="LiveId" clId="{8CB8A183-D964-4EA0-8215-89BB88A0586D}" dt="2021-10-05T05:07:41.330" v="99" actId="1076"/>
+          <ac:picMkLst>
+            <pc:docMk/>
+            <pc:sldMk cId="2674231362" sldId="291"/>
+            <ac:picMk id="5" creationId="{8B13D62D-5C71-4CEB-88D7-DCB96ADB8E8A}"/>
+          </ac:picMkLst>
+        </pc:picChg>
+        <pc:picChg chg="add mod">
+          <ac:chgData name="Li Lixiang" userId="6104bbfcb56aea79" providerId="LiveId" clId="{8CB8A183-D964-4EA0-8215-89BB88A0586D}" dt="2021-10-05T05:10:59.533" v="104" actId="1076"/>
+          <ac:picMkLst>
+            <pc:docMk/>
+            <pc:sldMk cId="2674231362" sldId="291"/>
+            <ac:picMk id="7" creationId="{524B832C-4066-4089-A1E4-9B89D3F008D0}"/>
+          </ac:picMkLst>
+        </pc:picChg>
+        <pc:picChg chg="add mod">
+          <ac:chgData name="Li Lixiang" userId="6104bbfcb56aea79" providerId="LiveId" clId="{8CB8A183-D964-4EA0-8215-89BB88A0586D}" dt="2021-10-05T05:11:02.200" v="105" actId="1076"/>
+          <ac:picMkLst>
+            <pc:docMk/>
+            <pc:sldMk cId="2674231362" sldId="291"/>
+            <ac:picMk id="9" creationId="{9EC1806B-0175-4482-816B-99DF445B5A24}"/>
+          </ac:picMkLst>
+        </pc:picChg>
+        <pc:picChg chg="add mod">
+          <ac:chgData name="Li Lixiang" userId="6104bbfcb56aea79" providerId="LiveId" clId="{8CB8A183-D964-4EA0-8215-89BB88A0586D}" dt="2021-10-05T05:11:35.141" v="107" actId="1076"/>
+          <ac:picMkLst>
+            <pc:docMk/>
+            <pc:sldMk cId="2674231362" sldId="291"/>
+            <ac:picMk id="11" creationId="{3AB8432B-C323-4445-BF3B-8CE3F5C48652}"/>
+          </ac:picMkLst>
+        </pc:picChg>
+        <pc:picChg chg="add mod">
+          <ac:chgData name="Li Lixiang" userId="6104bbfcb56aea79" providerId="LiveId" clId="{8CB8A183-D964-4EA0-8215-89BB88A0586D}" dt="2021-10-05T05:13:08.802" v="109" actId="1076"/>
+          <ac:picMkLst>
+            <pc:docMk/>
+            <pc:sldMk cId="2674231362" sldId="291"/>
+            <ac:picMk id="13" creationId="{6C1EB24A-631B-4A31-910E-3781061AFD68}"/>
+          </ac:picMkLst>
+        </pc:picChg>
+        <pc:picChg chg="add mod">
+          <ac:chgData name="Li Lixiang" userId="6104bbfcb56aea79" providerId="LiveId" clId="{8CB8A183-D964-4EA0-8215-89BB88A0586D}" dt="2021-10-05T05:13:40.903" v="111" actId="1076"/>
+          <ac:picMkLst>
+            <pc:docMk/>
+            <pc:sldMk cId="2674231362" sldId="291"/>
+            <ac:picMk id="15" creationId="{5D468DDF-1E14-4F45-98F8-0FD0087BD200}"/>
+          </ac:picMkLst>
+        </pc:picChg>
+        <pc:picChg chg="add mod">
+          <ac:chgData name="Li Lixiang" userId="6104bbfcb56aea79" providerId="LiveId" clId="{8CB8A183-D964-4EA0-8215-89BB88A0586D}" dt="2021-10-05T05:14:22.728" v="113" actId="1076"/>
+          <ac:picMkLst>
+            <pc:docMk/>
+            <pc:sldMk cId="2674231362" sldId="291"/>
+            <ac:picMk id="17" creationId="{6B6AA18A-97DF-4611-8737-E7434E38781F}"/>
+          </ac:picMkLst>
+        </pc:picChg>
+      </pc:sldChg>
+      <pc:sldChg chg="addSp delSp modSp new mod">
+        <pc:chgData name="Li Lixiang" userId="6104bbfcb56aea79" providerId="LiveId" clId="{8CB8A183-D964-4EA0-8215-89BB88A0586D}" dt="2021-10-05T06:57:42.945" v="135" actId="1035"/>
+        <pc:sldMkLst>
+          <pc:docMk/>
+          <pc:sldMk cId="3299326056" sldId="292"/>
+        </pc:sldMkLst>
+        <pc:spChg chg="mod">
+          <ac:chgData name="Li Lixiang" userId="6104bbfcb56aea79" providerId="LiveId" clId="{8CB8A183-D964-4EA0-8215-89BB88A0586D}" dt="2021-10-05T06:52:14.544" v="115"/>
+          <ac:spMkLst>
+            <pc:docMk/>
+            <pc:sldMk cId="3299326056" sldId="292"/>
+            <ac:spMk id="2" creationId="{12D4BC9F-53EB-410B-9512-5A684C343E18}"/>
+          </ac:spMkLst>
+        </pc:spChg>
+        <pc:spChg chg="del">
+          <ac:chgData name="Li Lixiang" userId="6104bbfcb56aea79" providerId="LiveId" clId="{8CB8A183-D964-4EA0-8215-89BB88A0586D}" dt="2021-10-05T06:52:17.197" v="116" actId="478"/>
+          <ac:spMkLst>
+            <pc:docMk/>
+            <pc:sldMk cId="3299326056" sldId="292"/>
+            <ac:spMk id="3" creationId="{76FACA88-E213-42A4-A3E7-17B3EF6A37F7}"/>
+          </ac:spMkLst>
+        </pc:spChg>
+        <pc:picChg chg="add mod">
+          <ac:chgData name="Li Lixiang" userId="6104bbfcb56aea79" providerId="LiveId" clId="{8CB8A183-D964-4EA0-8215-89BB88A0586D}" dt="2021-10-05T06:57:42.945" v="135" actId="1035"/>
+          <ac:picMkLst>
+            <pc:docMk/>
+            <pc:sldMk cId="3299326056" sldId="292"/>
+            <ac:picMk id="5" creationId="{E1D6FD2C-80E5-4B13-9AA0-3D1E57512878}"/>
+          </ac:picMkLst>
+        </pc:picChg>
+        <pc:picChg chg="add mod">
+          <ac:chgData name="Li Lixiang" userId="6104bbfcb56aea79" providerId="LiveId" clId="{8CB8A183-D964-4EA0-8215-89BB88A0586D}" dt="2021-10-05T06:57:42.945" v="135" actId="1035"/>
+          <ac:picMkLst>
+            <pc:docMk/>
+            <pc:sldMk cId="3299326056" sldId="292"/>
+            <ac:picMk id="7" creationId="{822229E7-BA0E-44FF-9390-0920EFD258A3}"/>
+          </ac:picMkLst>
+        </pc:picChg>
+        <pc:picChg chg="add mod">
+          <ac:chgData name="Li Lixiang" userId="6104bbfcb56aea79" providerId="LiveId" clId="{8CB8A183-D964-4EA0-8215-89BB88A0586D}" dt="2021-10-05T06:57:42.945" v="135" actId="1035"/>
+          <ac:picMkLst>
+            <pc:docMk/>
+            <pc:sldMk cId="3299326056" sldId="292"/>
+            <ac:picMk id="9" creationId="{FE808AFD-3F42-4B0F-B2E9-3B8A0B412362}"/>
+          </ac:picMkLst>
+        </pc:picChg>
+      </pc:sldChg>
+      <pc:sldChg chg="addSp delSp modSp new mod">
+        <pc:chgData name="Li Lixiang" userId="6104bbfcb56aea79" providerId="LiveId" clId="{8CB8A183-D964-4EA0-8215-89BB88A0586D}" dt="2021-10-05T06:59:47.407" v="140" actId="1076"/>
+        <pc:sldMkLst>
+          <pc:docMk/>
+          <pc:sldMk cId="2909057316" sldId="293"/>
+        </pc:sldMkLst>
+        <pc:spChg chg="mod">
+          <ac:chgData name="Li Lixiang" userId="6104bbfcb56aea79" providerId="LiveId" clId="{8CB8A183-D964-4EA0-8215-89BB88A0586D}" dt="2021-10-05T06:58:03.258" v="137"/>
+          <ac:spMkLst>
+            <pc:docMk/>
+            <pc:sldMk cId="2909057316" sldId="293"/>
+            <ac:spMk id="2" creationId="{1C253053-7368-4BEC-A484-7D6C06A356BC}"/>
+          </ac:spMkLst>
+        </pc:spChg>
+        <pc:spChg chg="del">
+          <ac:chgData name="Li Lixiang" userId="6104bbfcb56aea79" providerId="LiveId" clId="{8CB8A183-D964-4EA0-8215-89BB88A0586D}" dt="2021-10-05T06:58:06.355" v="138" actId="478"/>
+          <ac:spMkLst>
+            <pc:docMk/>
+            <pc:sldMk cId="2909057316" sldId="293"/>
+            <ac:spMk id="3" creationId="{545E3AB8-D0F9-46C9-B0EB-A1640DC371A1}"/>
+          </ac:spMkLst>
+        </pc:spChg>
+        <pc:picChg chg="add mod">
+          <ac:chgData name="Li Lixiang" userId="6104bbfcb56aea79" providerId="LiveId" clId="{8CB8A183-D964-4EA0-8215-89BB88A0586D}" dt="2021-10-05T06:59:47.407" v="140" actId="1076"/>
+          <ac:picMkLst>
+            <pc:docMk/>
+            <pc:sldMk cId="2909057316" sldId="293"/>
+            <ac:picMk id="5" creationId="{11FE2EA5-F325-4AD3-8EC9-AC00C2DA2CE4}"/>
+          </ac:picMkLst>
+        </pc:picChg>
+      </pc:sldChg>
+      <pc:sldChg chg="addSp delSp modSp new mod">
+        <pc:chgData name="Li Lixiang" userId="6104bbfcb56aea79" providerId="LiveId" clId="{8CB8A183-D964-4EA0-8215-89BB88A0586D}" dt="2021-10-05T07:01:38.403" v="147" actId="1076"/>
+        <pc:sldMkLst>
+          <pc:docMk/>
+          <pc:sldMk cId="3931874696" sldId="294"/>
+        </pc:sldMkLst>
+        <pc:spChg chg="mod">
+          <ac:chgData name="Li Lixiang" userId="6104bbfcb56aea79" providerId="LiveId" clId="{8CB8A183-D964-4EA0-8215-89BB88A0586D}" dt="2021-10-05T07:00:24.559" v="142"/>
+          <ac:spMkLst>
+            <pc:docMk/>
+            <pc:sldMk cId="3931874696" sldId="294"/>
+            <ac:spMk id="2" creationId="{6F87F887-3BEB-4C3C-9580-849959A20D50}"/>
+          </ac:spMkLst>
+        </pc:spChg>
+        <pc:spChg chg="del">
+          <ac:chgData name="Li Lixiang" userId="6104bbfcb56aea79" providerId="LiveId" clId="{8CB8A183-D964-4EA0-8215-89BB88A0586D}" dt="2021-10-05T07:00:31.844" v="143" actId="478"/>
+          <ac:spMkLst>
+            <pc:docMk/>
+            <pc:sldMk cId="3931874696" sldId="294"/>
+            <ac:spMk id="3" creationId="{5400B4F7-05BB-4768-A498-57A44A86ED0A}"/>
+          </ac:spMkLst>
+        </pc:spChg>
+        <pc:picChg chg="add mod">
+          <ac:chgData name="Li Lixiang" userId="6104bbfcb56aea79" providerId="LiveId" clId="{8CB8A183-D964-4EA0-8215-89BB88A0586D}" dt="2021-10-05T07:01:38.403" v="147" actId="1076"/>
+          <ac:picMkLst>
+            <pc:docMk/>
+            <pc:sldMk cId="3931874696" sldId="294"/>
+            <ac:picMk id="4" creationId="{8490F3ED-C0EF-40F5-B22F-18156C98BC03}"/>
+          </ac:picMkLst>
+        </pc:picChg>
+      </pc:sldChg>
+      <pc:sldChg chg="addSp delSp modSp new mod">
+        <pc:chgData name="Li Lixiang" userId="6104bbfcb56aea79" providerId="LiveId" clId="{8CB8A183-D964-4EA0-8215-89BB88A0586D}" dt="2021-10-05T07:07:41.112" v="174" actId="1076"/>
+        <pc:sldMkLst>
+          <pc:docMk/>
+          <pc:sldMk cId="960295348" sldId="295"/>
+        </pc:sldMkLst>
+        <pc:spChg chg="mod">
+          <ac:chgData name="Li Lixiang" userId="6104bbfcb56aea79" providerId="LiveId" clId="{8CB8A183-D964-4EA0-8215-89BB88A0586D}" dt="2021-10-05T07:02:11.415" v="149"/>
+          <ac:spMkLst>
+            <pc:docMk/>
+            <pc:sldMk cId="960295348" sldId="295"/>
+            <ac:spMk id="2" creationId="{A248BAFA-DCCB-4604-9FD1-4AC0BF0CE6E5}"/>
+          </ac:spMkLst>
+        </pc:spChg>
+        <pc:spChg chg="del">
+          <ac:chgData name="Li Lixiang" userId="6104bbfcb56aea79" providerId="LiveId" clId="{8CB8A183-D964-4EA0-8215-89BB88A0586D}" dt="2021-10-05T07:02:15.438" v="150" actId="478"/>
+          <ac:spMkLst>
+            <pc:docMk/>
+            <pc:sldMk cId="960295348" sldId="295"/>
+            <ac:spMk id="3" creationId="{EBB0114A-1779-4B65-AD21-EB128F24F0DC}"/>
+          </ac:spMkLst>
+        </pc:spChg>
+        <pc:picChg chg="add mod">
+          <ac:chgData name="Li Lixiang" userId="6104bbfcb56aea79" providerId="LiveId" clId="{8CB8A183-D964-4EA0-8215-89BB88A0586D}" dt="2021-10-05T07:05:23.038" v="157" actId="1076"/>
+          <ac:picMkLst>
+            <pc:docMk/>
+            <pc:sldMk cId="960295348" sldId="295"/>
+            <ac:picMk id="5" creationId="{38FBC781-705C-4D1B-9004-F52D91C7B254}"/>
+          </ac:picMkLst>
+        </pc:picChg>
+        <pc:picChg chg="add mod">
+          <ac:chgData name="Li Lixiang" userId="6104bbfcb56aea79" providerId="LiveId" clId="{8CB8A183-D964-4EA0-8215-89BB88A0586D}" dt="2021-10-05T07:04:13.719" v="154" actId="1076"/>
+          <ac:picMkLst>
+            <pc:docMk/>
+            <pc:sldMk cId="960295348" sldId="295"/>
+            <ac:picMk id="7" creationId="{288F3A7E-EAA2-4E1A-8FB5-0C035C0B4F76}"/>
+          </ac:picMkLst>
+        </pc:picChg>
+        <pc:picChg chg="add mod modCrop">
+          <ac:chgData name="Li Lixiang" userId="6104bbfcb56aea79" providerId="LiveId" clId="{8CB8A183-D964-4EA0-8215-89BB88A0586D}" dt="2021-10-05T07:07:37.978" v="172" actId="1076"/>
+          <ac:picMkLst>
+            <pc:docMk/>
+            <pc:sldMk cId="960295348" sldId="295"/>
+            <ac:picMk id="9" creationId="{C42E081E-E5C4-4248-9B21-C700E1F5D724}"/>
+          </ac:picMkLst>
+        </pc:picChg>
+        <pc:picChg chg="add mod modCrop">
+          <ac:chgData name="Li Lixiang" userId="6104bbfcb56aea79" providerId="LiveId" clId="{8CB8A183-D964-4EA0-8215-89BB88A0586D}" dt="2021-10-05T07:07:39.474" v="173" actId="1076"/>
+          <ac:picMkLst>
+            <pc:docMk/>
+            <pc:sldMk cId="960295348" sldId="295"/>
+            <ac:picMk id="11" creationId="{6A3C02EC-E4C9-4CC4-A4D5-E082383D0C31}"/>
+          </ac:picMkLst>
+        </pc:picChg>
+        <pc:picChg chg="add mod modCrop">
+          <ac:chgData name="Li Lixiang" userId="6104bbfcb56aea79" providerId="LiveId" clId="{8CB8A183-D964-4EA0-8215-89BB88A0586D}" dt="2021-10-05T07:07:41.112" v="174" actId="1076"/>
+          <ac:picMkLst>
+            <pc:docMk/>
+            <pc:sldMk cId="960295348" sldId="295"/>
+            <ac:picMk id="13" creationId="{ED56C43A-FA21-4F84-8329-22A559E1448D}"/>
+          </ac:picMkLst>
+        </pc:picChg>
+      </pc:sldChg>
+      <pc:sldChg chg="addSp delSp modSp new mod">
+        <pc:chgData name="Li Lixiang" userId="6104bbfcb56aea79" providerId="LiveId" clId="{8CB8A183-D964-4EA0-8215-89BB88A0586D}" dt="2021-10-05T07:14:08.187" v="192" actId="732"/>
+        <pc:sldMkLst>
+          <pc:docMk/>
+          <pc:sldMk cId="1875932169" sldId="296"/>
+        </pc:sldMkLst>
+        <pc:spChg chg="mod">
+          <ac:chgData name="Li Lixiang" userId="6104bbfcb56aea79" providerId="LiveId" clId="{8CB8A183-D964-4EA0-8215-89BB88A0586D}" dt="2021-10-05T07:08:05.197" v="176"/>
+          <ac:spMkLst>
+            <pc:docMk/>
+            <pc:sldMk cId="1875932169" sldId="296"/>
+            <ac:spMk id="2" creationId="{A0AD7A60-1DEF-4DD4-9339-15A1C1A360EC}"/>
+          </ac:spMkLst>
+        </pc:spChg>
+        <pc:spChg chg="del">
+          <ac:chgData name="Li Lixiang" userId="6104bbfcb56aea79" providerId="LiveId" clId="{8CB8A183-D964-4EA0-8215-89BB88A0586D}" dt="2021-10-05T07:08:09.153" v="177" actId="478"/>
+          <ac:spMkLst>
+            <pc:docMk/>
+            <pc:sldMk cId="1875932169" sldId="296"/>
+            <ac:spMk id="3" creationId="{01F00B2B-70CE-4E40-8CD9-B44FE3C0735D}"/>
+          </ac:spMkLst>
+        </pc:spChg>
+        <pc:picChg chg="add mod modCrop">
+          <ac:chgData name="Li Lixiang" userId="6104bbfcb56aea79" providerId="LiveId" clId="{8CB8A183-D964-4EA0-8215-89BB88A0586D}" dt="2021-10-05T07:09:30.870" v="183" actId="1076"/>
+          <ac:picMkLst>
+            <pc:docMk/>
+            <pc:sldMk cId="1875932169" sldId="296"/>
+            <ac:picMk id="5" creationId="{40E95EAB-0F1C-4873-BA89-FBB65887A454}"/>
+          </ac:picMkLst>
+        </pc:picChg>
+        <pc:picChg chg="add mod modCrop">
+          <ac:chgData name="Li Lixiang" userId="6104bbfcb56aea79" providerId="LiveId" clId="{8CB8A183-D964-4EA0-8215-89BB88A0586D}" dt="2021-10-05T07:13:56.286" v="190" actId="1076"/>
+          <ac:picMkLst>
+            <pc:docMk/>
+            <pc:sldMk cId="1875932169" sldId="296"/>
+            <ac:picMk id="7" creationId="{85B4693D-9DBC-4AA2-A92E-462A436B556D}"/>
+          </ac:picMkLst>
+        </pc:picChg>
+        <pc:picChg chg="add mod modCrop">
+          <ac:chgData name="Li Lixiang" userId="6104bbfcb56aea79" providerId="LiveId" clId="{8CB8A183-D964-4EA0-8215-89BB88A0586D}" dt="2021-10-05T07:14:08.187" v="192" actId="732"/>
+          <ac:picMkLst>
+            <pc:docMk/>
+            <pc:sldMk cId="1875932169" sldId="296"/>
+            <ac:picMk id="9" creationId="{4E9C1F95-858A-4DB2-91BF-50013E606145}"/>
+          </ac:picMkLst>
+        </pc:picChg>
+      </pc:sldChg>
+    </pc:docChg>
+  </pc:docChgLst>
   <pc:docChgLst>
     <pc:chgData name="Li Lixiang" userId="6104bbfcb56aea79" providerId="LiveId" clId="{1586F562-4063-4BC9-BBAB-BD8B389D253D}"/>
     <pc:docChg chg="custSel addSld delSld modSld">
@@ -1645,7 +2228,7 @@
             <a:fld id="{B61BEF0D-F0BB-DE4B-95CE-6DB70DBA9567}" type="datetimeFigureOut">
               <a:rPr lang="en-US" dirty="0"/>
               <a:pPr/>
-              <a:t>7/2/2021</a:t>
+              <a:t>10/5/2021</a:t>
             </a:fld>
             <a:endParaRPr lang="en-US" dirty="0"/>
           </a:p>
@@ -1976,7 +2559,7 @@
             <a:fld id="{B61BEF0D-F0BB-DE4B-95CE-6DB70DBA9567}" type="datetimeFigureOut">
               <a:rPr lang="en-US" dirty="0"/>
               <a:pPr/>
-              <a:t>7/2/2021</a:t>
+              <a:t>10/5/2021</a:t>
             </a:fld>
             <a:endParaRPr lang="en-US" dirty="0"/>
           </a:p>
@@ -2251,7 +2834,7 @@
             <a:fld id="{B61BEF0D-F0BB-DE4B-95CE-6DB70DBA9567}" type="datetimeFigureOut">
               <a:rPr lang="en-US" dirty="0"/>
               <a:pPr/>
-              <a:t>7/2/2021</a:t>
+              <a:t>10/5/2021</a:t>
             </a:fld>
             <a:endParaRPr lang="en-US" dirty="0"/>
           </a:p>
@@ -2816,7 +3399,7 @@
             <a:fld id="{B61BEF0D-F0BB-DE4B-95CE-6DB70DBA9567}" type="datetimeFigureOut">
               <a:rPr lang="en-US" dirty="0"/>
               <a:pPr/>
-              <a:t>7/2/2021</a:t>
+              <a:t>10/5/2021</a:t>
             </a:fld>
             <a:endParaRPr lang="en-US" dirty="0"/>
           </a:p>
@@ -3091,7 +3674,7 @@
             <a:fld id="{B61BEF0D-F0BB-DE4B-95CE-6DB70DBA9567}" type="datetimeFigureOut">
               <a:rPr lang="en-US" dirty="0"/>
               <a:pPr/>
-              <a:t>7/2/2021</a:t>
+              <a:t>10/5/2021</a:t>
             </a:fld>
             <a:endParaRPr lang="en-US" dirty="0"/>
           </a:p>
@@ -3650,7 +4233,7 @@
             <a:fld id="{B61BEF0D-F0BB-DE4B-95CE-6DB70DBA9567}" type="datetimeFigureOut">
               <a:rPr lang="en-US" dirty="0"/>
               <a:pPr/>
-              <a:t>7/2/2021</a:t>
+              <a:t>10/5/2021</a:t>
             </a:fld>
             <a:endParaRPr lang="en-US" dirty="0"/>
           </a:p>
@@ -3974,7 +4557,7 @@
             <a:fld id="{B61BEF0D-F0BB-DE4B-95CE-6DB70DBA9567}" type="datetimeFigureOut">
               <a:rPr lang="en-US" dirty="0"/>
               <a:pPr/>
-              <a:t>7/2/2021</a:t>
+              <a:t>10/5/2021</a:t>
             </a:fld>
             <a:endParaRPr lang="en-US" dirty="0"/>
           </a:p>
@@ -4148,7 +4731,7 @@
             <a:fld id="{B61BEF0D-F0BB-DE4B-95CE-6DB70DBA9567}" type="datetimeFigureOut">
               <a:rPr lang="en-US" dirty="0"/>
               <a:pPr/>
-              <a:t>7/2/2021</a:t>
+              <a:t>10/5/2021</a:t>
             </a:fld>
             <a:endParaRPr lang="en-US" dirty="0"/>
           </a:p>
@@ -4383,7 +4966,7 @@
             <a:fld id="{B61BEF0D-F0BB-DE4B-95CE-6DB70DBA9567}" type="datetimeFigureOut">
               <a:rPr lang="en-US" dirty="0"/>
               <a:pPr/>
-              <a:t>7/2/2021</a:t>
+              <a:t>10/5/2021</a:t>
             </a:fld>
             <a:endParaRPr lang="en-US" dirty="0"/>
           </a:p>
@@ -4580,7 +5163,7 @@
             <a:fld id="{B61BEF0D-F0BB-DE4B-95CE-6DB70DBA9567}" type="datetimeFigureOut">
               <a:rPr lang="en-US" dirty="0"/>
               <a:pPr/>
-              <a:t>7/2/2021</a:t>
+              <a:t>10/5/2021</a:t>
             </a:fld>
             <a:endParaRPr lang="en-US" dirty="0"/>
           </a:p>
@@ -4853,7 +5436,7 @@
             <a:fld id="{B61BEF0D-F0BB-DE4B-95CE-6DB70DBA9567}" type="datetimeFigureOut">
               <a:rPr lang="en-US" dirty="0"/>
               <a:pPr/>
-              <a:t>7/2/2021</a:t>
+              <a:t>10/5/2021</a:t>
             </a:fld>
             <a:endParaRPr lang="en-US" dirty="0"/>
           </a:p>
@@ -5116,7 +5699,7 @@
             <a:fld id="{B61BEF0D-F0BB-DE4B-95CE-6DB70DBA9567}" type="datetimeFigureOut">
               <a:rPr lang="en-US" dirty="0"/>
               <a:pPr/>
-              <a:t>7/2/2021</a:t>
+              <a:t>10/5/2021</a:t>
             </a:fld>
             <a:endParaRPr lang="en-US" dirty="0"/>
           </a:p>
@@ -5487,7 +6070,7 @@
             <a:fld id="{B61BEF0D-F0BB-DE4B-95CE-6DB70DBA9567}" type="datetimeFigureOut">
               <a:rPr lang="en-US" dirty="0"/>
               <a:pPr/>
-              <a:t>7/2/2021</a:t>
+              <a:t>10/5/2021</a:t>
             </a:fld>
             <a:endParaRPr lang="en-US" dirty="0"/>
           </a:p>
@@ -5632,7 +6215,7 @@
             <a:fld id="{B61BEF0D-F0BB-DE4B-95CE-6DB70DBA9567}" type="datetimeFigureOut">
               <a:rPr lang="en-US" dirty="0"/>
               <a:pPr/>
-              <a:t>7/2/2021</a:t>
+              <a:t>10/5/2021</a:t>
             </a:fld>
             <a:endParaRPr lang="en-US" dirty="0"/>
           </a:p>
@@ -5754,7 +6337,7 @@
             <a:fld id="{B61BEF0D-F0BB-DE4B-95CE-6DB70DBA9567}" type="datetimeFigureOut">
               <a:rPr lang="en-US" dirty="0"/>
               <a:pPr/>
-              <a:t>7/2/2021</a:t>
+              <a:t>10/5/2021</a:t>
             </a:fld>
             <a:endParaRPr lang="en-US" dirty="0"/>
           </a:p>
@@ -6036,7 +6619,7 @@
             <a:fld id="{B61BEF0D-F0BB-DE4B-95CE-6DB70DBA9567}" type="datetimeFigureOut">
               <a:rPr lang="en-US" dirty="0"/>
               <a:pPr/>
-              <a:t>7/2/2021</a:t>
+              <a:t>10/5/2021</a:t>
             </a:fld>
             <a:endParaRPr lang="en-US" dirty="0"/>
           </a:p>
@@ -6357,7 +6940,7 @@
             <a:fld id="{B61BEF0D-F0BB-DE4B-95CE-6DB70DBA9567}" type="datetimeFigureOut">
               <a:rPr lang="en-US" dirty="0"/>
               <a:pPr/>
-              <a:t>7/2/2021</a:t>
+              <a:t>10/5/2021</a:t>
             </a:fld>
             <a:endParaRPr lang="en-US" dirty="0"/>
           </a:p>
@@ -6568,7 +7151,7 @@
             <a:fld id="{B61BEF0D-F0BB-DE4B-95CE-6DB70DBA9567}" type="datetimeFigureOut">
               <a:rPr lang="en-US" dirty="0"/>
               <a:pPr/>
-              <a:t>7/2/2021</a:t>
+              <a:t>10/5/2021</a:t>
             </a:fld>
             <a:endParaRPr lang="en-US" dirty="0"/>
           </a:p>
@@ -7164,6 +7747,1101 @@
           <a:chExt cx="0" cy="0"/>
         </a:xfrm>
       </p:grpSpPr>
+      <p:pic>
+        <p:nvPicPr>
+          <p:cNvPr id="9" name="Picture 8">
+            <a:extLst>
+              <a:ext uri="{FF2B5EF4-FFF2-40B4-BE49-F238E27FC236}">
+                <a16:creationId xmlns:a16="http://schemas.microsoft.com/office/drawing/2014/main" id="{9EA71C3C-F5F7-4DEC-A1C8-A141A1515314}"/>
+              </a:ext>
+            </a:extLst>
+          </p:cNvPr>
+          <p:cNvPicPr>
+            <a:picLocks noChangeAspect="1"/>
+          </p:cNvPicPr>
+          <p:nvPr/>
+        </p:nvPicPr>
+        <p:blipFill>
+          <a:blip r:embed="rId2"/>
+          <a:stretch>
+            <a:fillRect/>
+          </a:stretch>
+        </p:blipFill>
+        <p:spPr>
+          <a:xfrm>
+            <a:off x="4494960" y="1175808"/>
+            <a:ext cx="2324301" cy="4328535"/>
+          </a:xfrm>
+          <a:prstGeom prst="rect">
+            <a:avLst/>
+          </a:prstGeom>
+        </p:spPr>
+      </p:pic>
+      <p:sp>
+        <p:nvSpPr>
+          <p:cNvPr id="2" name="标题 1">
+            <a:extLst>
+              <a:ext uri="{FF2B5EF4-FFF2-40B4-BE49-F238E27FC236}">
+                <a16:creationId xmlns:a16="http://schemas.microsoft.com/office/drawing/2014/main" id="{5EC01E2D-9CFE-4D5D-8863-3BA90731F07B}"/>
+              </a:ext>
+            </a:extLst>
+          </p:cNvPr>
+          <p:cNvSpPr>
+            <a:spLocks noGrp="1"/>
+          </p:cNvSpPr>
+          <p:nvPr>
+            <p:ph type="title"/>
+          </p:nvPr>
+        </p:nvSpPr>
+        <p:spPr/>
+        <p:txBody>
+          <a:bodyPr/>
+          <a:lstStyle/>
+          <a:p>
+            <a:r>
+              <a:rPr lang="en-US" dirty="0"/>
+              <a:t>string</a:t>
+            </a:r>
+            <a:endParaRPr lang="en-MY" dirty="0"/>
+          </a:p>
+        </p:txBody>
+      </p:sp>
+      <p:sp>
+        <p:nvSpPr>
+          <p:cNvPr id="3" name="内容占位符 2">
+            <a:extLst>
+              <a:ext uri="{FF2B5EF4-FFF2-40B4-BE49-F238E27FC236}">
+                <a16:creationId xmlns:a16="http://schemas.microsoft.com/office/drawing/2014/main" id="{7060439F-2729-478E-B95F-230482B50AA1}"/>
+              </a:ext>
+            </a:extLst>
+          </p:cNvPr>
+          <p:cNvSpPr>
+            <a:spLocks noGrp="1"/>
+          </p:cNvSpPr>
+          <p:nvPr>
+            <p:ph idx="1"/>
+          </p:nvPr>
+        </p:nvSpPr>
+        <p:spPr>
+          <a:xfrm>
+            <a:off x="685801" y="2142067"/>
+            <a:ext cx="7107701" cy="3649133"/>
+          </a:xfrm>
+        </p:spPr>
+        <p:txBody>
+          <a:bodyPr anchor="t">
+            <a:normAutofit/>
+          </a:bodyPr>
+          <a:lstStyle/>
+          <a:p>
+            <a:r>
+              <a:rPr lang="en-MY" dirty="0"/>
+              <a:t>String </a:t>
+            </a:r>
+            <a:r>
+              <a:rPr lang="en-MY" dirty="0">
+                <a:solidFill>
+                  <a:srgbClr val="FFFF00"/>
+                </a:solidFill>
+              </a:rPr>
+              <a:t>slicing</a:t>
+            </a:r>
+          </a:p>
+          <a:p>
+            <a:pPr lvl="1"/>
+            <a:endParaRPr lang="en-MY" dirty="0"/>
+          </a:p>
+          <a:p>
+            <a:pPr lvl="1"/>
+            <a:endParaRPr lang="en-MY" dirty="0"/>
+          </a:p>
+        </p:txBody>
+      </p:sp>
+      <p:sp>
+        <p:nvSpPr>
+          <p:cNvPr id="6" name="标注: 弯曲线形 5">
+            <a:extLst>
+              <a:ext uri="{FF2B5EF4-FFF2-40B4-BE49-F238E27FC236}">
+                <a16:creationId xmlns:a16="http://schemas.microsoft.com/office/drawing/2014/main" id="{E4DBFA76-697A-4623-9E8D-2FFA324C5F1E}"/>
+              </a:ext>
+            </a:extLst>
+          </p:cNvPr>
+          <p:cNvSpPr/>
+          <p:nvPr/>
+        </p:nvSpPr>
+        <p:spPr>
+          <a:xfrm>
+            <a:off x="8423227" y="3690719"/>
+            <a:ext cx="3244948" cy="723589"/>
+          </a:xfrm>
+          <a:prstGeom prst="borderCallout2">
+            <a:avLst>
+              <a:gd name="adj1" fmla="val 18750"/>
+              <a:gd name="adj2" fmla="val -8333"/>
+              <a:gd name="adj3" fmla="val 18750"/>
+              <a:gd name="adj4" fmla="val -16667"/>
+              <a:gd name="adj5" fmla="val 219759"/>
+              <a:gd name="adj6" fmla="val -54021"/>
+            </a:avLst>
+          </a:prstGeom>
+          <a:solidFill>
+            <a:schemeClr val="bg2">
+              <a:lumMod val="40000"/>
+              <a:lumOff val="60000"/>
+            </a:schemeClr>
+          </a:solidFill>
+        </p:spPr>
+        <p:style>
+          <a:lnRef idx="2">
+            <a:schemeClr val="accent1">
+              <a:shade val="50000"/>
+            </a:schemeClr>
+          </a:lnRef>
+          <a:fillRef idx="1">
+            <a:schemeClr val="accent1"/>
+          </a:fillRef>
+          <a:effectRef idx="0">
+            <a:schemeClr val="accent1"/>
+          </a:effectRef>
+          <a:fontRef idx="minor">
+            <a:schemeClr val="lt1"/>
+          </a:fontRef>
+        </p:style>
+        <p:txBody>
+          <a:bodyPr rtlCol="0" anchor="ctr"/>
+          <a:lstStyle/>
+          <a:p>
+            <a:r>
+              <a:rPr lang="en-US" dirty="0">
+                <a:solidFill>
+                  <a:schemeClr val="tx1"/>
+                </a:solidFill>
+              </a:rPr>
+              <a:t>This results in an empty string</a:t>
+            </a:r>
+            <a:endParaRPr lang="en-MY" dirty="0">
+              <a:solidFill>
+                <a:schemeClr val="tx1"/>
+              </a:solidFill>
+            </a:endParaRPr>
+          </a:p>
+        </p:txBody>
+      </p:sp>
+      <mc:AlternateContent xmlns:mc="http://schemas.openxmlformats.org/markup-compatibility/2006" xmlns:p14="http://schemas.microsoft.com/office/powerpoint/2010/main">
+        <mc:Choice Requires="p14">
+          <p:contentPart p14:bwMode="auto" r:id="rId3">
+            <p14:nvContentPartPr>
+              <p14:cNvPr id="4" name="Ink 3">
+                <a:extLst>
+                  <a:ext uri="{FF2B5EF4-FFF2-40B4-BE49-F238E27FC236}">
+                    <a16:creationId xmlns:a16="http://schemas.microsoft.com/office/drawing/2014/main" id="{2CCD9326-0229-4263-8D81-3D8917EA5A88}"/>
+                  </a:ext>
+                </a:extLst>
+              </p14:cNvPr>
+              <p14:cNvContentPartPr/>
+              <p14:nvPr/>
+            </p14:nvContentPartPr>
+            <p14:xfrm>
+              <a:off x="2370873" y="837028"/>
+              <a:ext cx="3600" cy="33480"/>
+            </p14:xfrm>
+          </p:contentPart>
+        </mc:Choice>
+        <mc:Fallback xmlns="">
+          <p:pic>
+            <p:nvPicPr>
+              <p:cNvPr id="4" name="Ink 3">
+                <a:extLst>
+                  <a:ext uri="{FF2B5EF4-FFF2-40B4-BE49-F238E27FC236}">
+                    <a16:creationId xmlns:a16="http://schemas.microsoft.com/office/drawing/2014/main" id="{2CCD9326-0229-4263-8D81-3D8917EA5A88}"/>
+                  </a:ext>
+                </a:extLst>
+              </p:cNvPr>
+              <p:cNvPicPr/>
+              <p:nvPr/>
+            </p:nvPicPr>
+            <p:blipFill>
+              <a:blip r:embed="rId4"/>
+              <a:stretch>
+                <a:fillRect/>
+              </a:stretch>
+            </p:blipFill>
+            <p:spPr>
+              <a:xfrm>
+                <a:off x="2361873" y="828388"/>
+                <a:ext cx="21240" cy="51120"/>
+              </a:xfrm>
+              <a:prstGeom prst="rect">
+                <a:avLst/>
+              </a:prstGeom>
+            </p:spPr>
+          </p:pic>
+        </mc:Fallback>
+      </mc:AlternateContent>
+    </p:spTree>
+    <p:extLst>
+      <p:ext uri="{BB962C8B-B14F-4D97-AF65-F5344CB8AC3E}">
+        <p14:creationId xmlns:p14="http://schemas.microsoft.com/office/powerpoint/2010/main" val="3450450490"/>
+      </p:ext>
+    </p:extLst>
+  </p:cSld>
+  <p:clrMapOvr>
+    <a:masterClrMapping/>
+  </p:clrMapOvr>
+</p:sld>
+</file>
+
+<file path=ppt/slides/slide11.xml><?xml version="1.0" encoding="utf-8"?>
+<p:sld xmlns:a="http://schemas.openxmlformats.org/drawingml/2006/main" xmlns:r="http://schemas.openxmlformats.org/officeDocument/2006/relationships" xmlns:p="http://schemas.openxmlformats.org/presentationml/2006/main">
+  <p:cSld>
+    <p:spTree>
+      <p:nvGrpSpPr>
+        <p:cNvPr id="1" name=""/>
+        <p:cNvGrpSpPr/>
+        <p:nvPr/>
+      </p:nvGrpSpPr>
+      <p:grpSpPr>
+        <a:xfrm>
+          <a:off x="0" y="0"/>
+          <a:ext cx="0" cy="0"/>
+          <a:chOff x="0" y="0"/>
+          <a:chExt cx="0" cy="0"/>
+        </a:xfrm>
+      </p:grpSpPr>
+      <p:sp>
+        <p:nvSpPr>
+          <p:cNvPr id="2" name="Title 1">
+            <a:extLst>
+              <a:ext uri="{FF2B5EF4-FFF2-40B4-BE49-F238E27FC236}">
+                <a16:creationId xmlns:a16="http://schemas.microsoft.com/office/drawing/2014/main" id="{5046FEB7-D956-435C-A2BD-74E17F61BA96}"/>
+              </a:ext>
+            </a:extLst>
+          </p:cNvPr>
+          <p:cNvSpPr>
+            <a:spLocks noGrp="1"/>
+          </p:cNvSpPr>
+          <p:nvPr>
+            <p:ph type="title"/>
+          </p:nvPr>
+        </p:nvSpPr>
+        <p:spPr/>
+        <p:txBody>
+          <a:bodyPr/>
+          <a:lstStyle/>
+          <a:p>
+            <a:r>
+              <a:rPr lang="en-US" dirty="0"/>
+              <a:t>In class practice: what is the result for those code?</a:t>
+            </a:r>
+            <a:endParaRPr lang="en-MY" dirty="0"/>
+          </a:p>
+        </p:txBody>
+      </p:sp>
+      <p:pic>
+        <p:nvPicPr>
+          <p:cNvPr id="5" name="Picture 4">
+            <a:extLst>
+              <a:ext uri="{FF2B5EF4-FFF2-40B4-BE49-F238E27FC236}">
+                <a16:creationId xmlns:a16="http://schemas.microsoft.com/office/drawing/2014/main" id="{6B434DE6-B152-4317-B1DC-D37E9B273D94}"/>
+              </a:ext>
+            </a:extLst>
+          </p:cNvPr>
+          <p:cNvPicPr>
+            <a:picLocks noChangeAspect="1"/>
+          </p:cNvPicPr>
+          <p:nvPr/>
+        </p:nvPicPr>
+        <p:blipFill rotWithShape="1">
+          <a:blip r:embed="rId2"/>
+          <a:srcRect t="1" b="3514"/>
+          <a:stretch/>
+        </p:blipFill>
+        <p:spPr>
+          <a:xfrm>
+            <a:off x="4236088" y="2971763"/>
+            <a:ext cx="2219635" cy="523914"/>
+          </a:xfrm>
+          <a:prstGeom prst="rect">
+            <a:avLst/>
+          </a:prstGeom>
+        </p:spPr>
+      </p:pic>
+      <p:pic>
+        <p:nvPicPr>
+          <p:cNvPr id="7" name="Picture 6">
+            <a:extLst>
+              <a:ext uri="{FF2B5EF4-FFF2-40B4-BE49-F238E27FC236}">
+                <a16:creationId xmlns:a16="http://schemas.microsoft.com/office/drawing/2014/main" id="{28276190-2BBA-454A-AABF-42E269D63DDB}"/>
+              </a:ext>
+            </a:extLst>
+          </p:cNvPr>
+          <p:cNvPicPr>
+            <a:picLocks noChangeAspect="1"/>
+          </p:cNvPicPr>
+          <p:nvPr/>
+        </p:nvPicPr>
+        <p:blipFill rotWithShape="1">
+          <a:blip r:embed="rId3"/>
+          <a:srcRect t="1" b="8658"/>
+          <a:stretch/>
+        </p:blipFill>
+        <p:spPr>
+          <a:xfrm>
+            <a:off x="4236088" y="3752833"/>
+            <a:ext cx="2105319" cy="226236"/>
+          </a:xfrm>
+          <a:prstGeom prst="rect">
+            <a:avLst/>
+          </a:prstGeom>
+        </p:spPr>
+      </p:pic>
+      <p:pic>
+        <p:nvPicPr>
+          <p:cNvPr id="9" name="Picture 8">
+            <a:extLst>
+              <a:ext uri="{FF2B5EF4-FFF2-40B4-BE49-F238E27FC236}">
+                <a16:creationId xmlns:a16="http://schemas.microsoft.com/office/drawing/2014/main" id="{C02643D2-01A8-4C18-810A-CEAE5012BDA1}"/>
+              </a:ext>
+            </a:extLst>
+          </p:cNvPr>
+          <p:cNvPicPr>
+            <a:picLocks noChangeAspect="1"/>
+          </p:cNvPicPr>
+          <p:nvPr/>
+        </p:nvPicPr>
+        <p:blipFill>
+          <a:blip r:embed="rId4"/>
+          <a:stretch>
+            <a:fillRect/>
+          </a:stretch>
+        </p:blipFill>
+        <p:spPr>
+          <a:xfrm>
+            <a:off x="4264666" y="4702156"/>
+            <a:ext cx="2162477" cy="257211"/>
+          </a:xfrm>
+          <a:prstGeom prst="rect">
+            <a:avLst/>
+          </a:prstGeom>
+        </p:spPr>
+      </p:pic>
+      <p:pic>
+        <p:nvPicPr>
+          <p:cNvPr id="11" name="Picture 10">
+            <a:extLst>
+              <a:ext uri="{FF2B5EF4-FFF2-40B4-BE49-F238E27FC236}">
+                <a16:creationId xmlns:a16="http://schemas.microsoft.com/office/drawing/2014/main" id="{C8DB3B81-9CC0-49ED-B860-9EB2CC367E9A}"/>
+              </a:ext>
+            </a:extLst>
+          </p:cNvPr>
+          <p:cNvPicPr>
+            <a:picLocks noChangeAspect="1"/>
+          </p:cNvPicPr>
+          <p:nvPr/>
+        </p:nvPicPr>
+        <p:blipFill rotWithShape="1">
+          <a:blip r:embed="rId5"/>
+          <a:srcRect l="1376"/>
+          <a:stretch/>
+        </p:blipFill>
+        <p:spPr>
+          <a:xfrm>
+            <a:off x="4236088" y="4172936"/>
+            <a:ext cx="2048162" cy="266737"/>
+          </a:xfrm>
+          <a:prstGeom prst="rect">
+            <a:avLst/>
+          </a:prstGeom>
+        </p:spPr>
+      </p:pic>
+    </p:spTree>
+    <p:extLst>
+      <p:ext uri="{BB962C8B-B14F-4D97-AF65-F5344CB8AC3E}">
+        <p14:creationId xmlns:p14="http://schemas.microsoft.com/office/powerpoint/2010/main" val="1414751857"/>
+      </p:ext>
+    </p:extLst>
+  </p:cSld>
+  <p:clrMapOvr>
+    <a:masterClrMapping/>
+  </p:clrMapOvr>
+</p:sld>
+</file>
+
+<file path=ppt/slides/slide12.xml><?xml version="1.0" encoding="utf-8"?>
+<p:sld xmlns:a="http://schemas.openxmlformats.org/drawingml/2006/main" xmlns:r="http://schemas.openxmlformats.org/officeDocument/2006/relationships" xmlns:p="http://schemas.openxmlformats.org/presentationml/2006/main">
+  <p:cSld>
+    <p:spTree>
+      <p:nvGrpSpPr>
+        <p:cNvPr id="1" name=""/>
+        <p:cNvGrpSpPr/>
+        <p:nvPr/>
+      </p:nvGrpSpPr>
+      <p:grpSpPr>
+        <a:xfrm>
+          <a:off x="0" y="0"/>
+          <a:ext cx="0" cy="0"/>
+          <a:chOff x="0" y="0"/>
+          <a:chExt cx="0" cy="0"/>
+        </a:xfrm>
+      </p:grpSpPr>
+      <p:sp>
+        <p:nvSpPr>
+          <p:cNvPr id="2" name="Title 1">
+            <a:extLst>
+              <a:ext uri="{FF2B5EF4-FFF2-40B4-BE49-F238E27FC236}">
+                <a16:creationId xmlns:a16="http://schemas.microsoft.com/office/drawing/2014/main" id="{40B36137-F030-4500-B927-F8B95B4A0C97}"/>
+              </a:ext>
+            </a:extLst>
+          </p:cNvPr>
+          <p:cNvSpPr>
+            <a:spLocks noGrp="1"/>
+          </p:cNvSpPr>
+          <p:nvPr>
+            <p:ph type="title"/>
+          </p:nvPr>
+        </p:nvSpPr>
+        <p:spPr/>
+        <p:txBody>
+          <a:bodyPr/>
+          <a:lstStyle/>
+          <a:p>
+            <a:r>
+              <a:rPr lang="en-US" dirty="0"/>
+              <a:t>unpacking</a:t>
+            </a:r>
+            <a:endParaRPr lang="en-MY" dirty="0"/>
+          </a:p>
+        </p:txBody>
+      </p:sp>
+      <p:sp>
+        <p:nvSpPr>
+          <p:cNvPr id="3" name="Content Placeholder 2">
+            <a:extLst>
+              <a:ext uri="{FF2B5EF4-FFF2-40B4-BE49-F238E27FC236}">
+                <a16:creationId xmlns:a16="http://schemas.microsoft.com/office/drawing/2014/main" id="{0DE55A57-290D-49CB-B85D-C720BD67627A}"/>
+              </a:ext>
+            </a:extLst>
+          </p:cNvPr>
+          <p:cNvSpPr>
+            <a:spLocks noGrp="1"/>
+          </p:cNvSpPr>
+          <p:nvPr>
+            <p:ph idx="1"/>
+          </p:nvPr>
+        </p:nvSpPr>
+        <p:spPr/>
+        <p:txBody>
+          <a:bodyPr anchor="t"/>
+          <a:lstStyle/>
+          <a:p>
+            <a:r>
+              <a:rPr lang="en-US" dirty="0"/>
+              <a:t>str data in python can use with </a:t>
+            </a:r>
+            <a:r>
+              <a:rPr lang="en-US" dirty="0">
+                <a:solidFill>
+                  <a:srgbClr val="FFFF00"/>
+                </a:solidFill>
+              </a:rPr>
+              <a:t>unpack</a:t>
+            </a:r>
+            <a:endParaRPr lang="en-MY" dirty="0">
+              <a:solidFill>
+                <a:srgbClr val="FFFF00"/>
+              </a:solidFill>
+            </a:endParaRPr>
+          </a:p>
+        </p:txBody>
+      </p:sp>
+    </p:spTree>
+    <p:extLst>
+      <p:ext uri="{BB962C8B-B14F-4D97-AF65-F5344CB8AC3E}">
+        <p14:creationId xmlns:p14="http://schemas.microsoft.com/office/powerpoint/2010/main" val="285028539"/>
+      </p:ext>
+    </p:extLst>
+  </p:cSld>
+  <p:clrMapOvr>
+    <a:masterClrMapping/>
+  </p:clrMapOvr>
+</p:sld>
+</file>
+
+<file path=ppt/slides/slide13.xml><?xml version="1.0" encoding="utf-8"?>
+<p:sld xmlns:a="http://schemas.openxmlformats.org/drawingml/2006/main" xmlns:r="http://schemas.openxmlformats.org/officeDocument/2006/relationships" xmlns:p="http://schemas.openxmlformats.org/presentationml/2006/main">
+  <p:cSld>
+    <p:spTree>
+      <p:nvGrpSpPr>
+        <p:cNvPr id="1" name=""/>
+        <p:cNvGrpSpPr/>
+        <p:nvPr/>
+      </p:nvGrpSpPr>
+      <p:grpSpPr>
+        <a:xfrm>
+          <a:off x="0" y="0"/>
+          <a:ext cx="0" cy="0"/>
+          <a:chOff x="0" y="0"/>
+          <a:chExt cx="0" cy="0"/>
+        </a:xfrm>
+      </p:grpSpPr>
+      <p:sp>
+        <p:nvSpPr>
+          <p:cNvPr id="2" name="Title 1">
+            <a:extLst>
+              <a:ext uri="{FF2B5EF4-FFF2-40B4-BE49-F238E27FC236}">
+                <a16:creationId xmlns:a16="http://schemas.microsoft.com/office/drawing/2014/main" id="{4F31DEF5-9D5E-451F-9D84-DB6B379E0705}"/>
+              </a:ext>
+            </a:extLst>
+          </p:cNvPr>
+          <p:cNvSpPr>
+            <a:spLocks noGrp="1"/>
+          </p:cNvSpPr>
+          <p:nvPr>
+            <p:ph type="title"/>
+          </p:nvPr>
+        </p:nvSpPr>
+        <p:spPr/>
+        <p:txBody>
+          <a:bodyPr/>
+          <a:lstStyle/>
+          <a:p>
+            <a:r>
+              <a:rPr lang="en-US" dirty="0"/>
+              <a:t>In class practice: what is the result for those code?</a:t>
+            </a:r>
+            <a:endParaRPr lang="en-MY" dirty="0"/>
+          </a:p>
+        </p:txBody>
+      </p:sp>
+      <p:pic>
+        <p:nvPicPr>
+          <p:cNvPr id="5" name="Picture 4">
+            <a:extLst>
+              <a:ext uri="{FF2B5EF4-FFF2-40B4-BE49-F238E27FC236}">
+                <a16:creationId xmlns:a16="http://schemas.microsoft.com/office/drawing/2014/main" id="{DC02A19D-1F05-4F06-84C6-6BC9514C3972}"/>
+              </a:ext>
+            </a:extLst>
+          </p:cNvPr>
+          <p:cNvPicPr>
+            <a:picLocks noChangeAspect="1"/>
+          </p:cNvPicPr>
+          <p:nvPr/>
+        </p:nvPicPr>
+        <p:blipFill rotWithShape="1">
+          <a:blip r:embed="rId2"/>
+          <a:srcRect l="1215" b="3415"/>
+          <a:stretch/>
+        </p:blipFill>
+        <p:spPr>
+          <a:xfrm>
+            <a:off x="5517152" y="2509736"/>
+            <a:ext cx="1948000" cy="809684"/>
+          </a:xfrm>
+          <a:prstGeom prst="rect">
+            <a:avLst/>
+          </a:prstGeom>
+        </p:spPr>
+      </p:pic>
+      <p:pic>
+        <p:nvPicPr>
+          <p:cNvPr id="7" name="Picture 6">
+            <a:extLst>
+              <a:ext uri="{FF2B5EF4-FFF2-40B4-BE49-F238E27FC236}">
+                <a16:creationId xmlns:a16="http://schemas.microsoft.com/office/drawing/2014/main" id="{74B432FC-F364-40E3-ACFD-03B44F89CA41}"/>
+              </a:ext>
+            </a:extLst>
+          </p:cNvPr>
+          <p:cNvPicPr>
+            <a:picLocks noChangeAspect="1"/>
+          </p:cNvPicPr>
+          <p:nvPr/>
+        </p:nvPicPr>
+        <p:blipFill>
+          <a:blip r:embed="rId3"/>
+          <a:stretch>
+            <a:fillRect/>
+          </a:stretch>
+        </p:blipFill>
+        <p:spPr>
+          <a:xfrm>
+            <a:off x="763242" y="2509736"/>
+            <a:ext cx="1695687" cy="514422"/>
+          </a:xfrm>
+          <a:prstGeom prst="rect">
+            <a:avLst/>
+          </a:prstGeom>
+        </p:spPr>
+      </p:pic>
+    </p:spTree>
+    <p:extLst>
+      <p:ext uri="{BB962C8B-B14F-4D97-AF65-F5344CB8AC3E}">
+        <p14:creationId xmlns:p14="http://schemas.microsoft.com/office/powerpoint/2010/main" val="2395383120"/>
+      </p:ext>
+    </p:extLst>
+  </p:cSld>
+  <p:clrMapOvr>
+    <a:masterClrMapping/>
+  </p:clrMapOvr>
+</p:sld>
+</file>
+
+<file path=ppt/slides/slide14.xml><?xml version="1.0" encoding="utf-8"?>
+<p:sld xmlns:a="http://schemas.openxmlformats.org/drawingml/2006/main" xmlns:r="http://schemas.openxmlformats.org/officeDocument/2006/relationships" xmlns:p="http://schemas.openxmlformats.org/presentationml/2006/main">
+  <p:cSld>
+    <p:spTree>
+      <p:nvGrpSpPr>
+        <p:cNvPr id="1" name=""/>
+        <p:cNvGrpSpPr/>
+        <p:nvPr/>
+      </p:nvGrpSpPr>
+      <p:grpSpPr>
+        <a:xfrm>
+          <a:off x="0" y="0"/>
+          <a:ext cx="0" cy="0"/>
+          <a:chOff x="0" y="0"/>
+          <a:chExt cx="0" cy="0"/>
+        </a:xfrm>
+      </p:grpSpPr>
+      <p:sp>
+        <p:nvSpPr>
+          <p:cNvPr id="2" name="标题 1">
+            <a:extLst>
+              <a:ext uri="{FF2B5EF4-FFF2-40B4-BE49-F238E27FC236}">
+                <a16:creationId xmlns:a16="http://schemas.microsoft.com/office/drawing/2014/main" id="{5EC01E2D-9CFE-4D5D-8863-3BA90731F07B}"/>
+              </a:ext>
+            </a:extLst>
+          </p:cNvPr>
+          <p:cNvSpPr>
+            <a:spLocks noGrp="1"/>
+          </p:cNvSpPr>
+          <p:nvPr>
+            <p:ph type="title"/>
+          </p:nvPr>
+        </p:nvSpPr>
+        <p:spPr/>
+        <p:txBody>
+          <a:bodyPr/>
+          <a:lstStyle/>
+          <a:p>
+            <a:r>
+              <a:rPr lang="en-US" dirty="0"/>
+              <a:t>String methods</a:t>
+            </a:r>
+            <a:endParaRPr lang="en-MY" dirty="0"/>
+          </a:p>
+        </p:txBody>
+      </p:sp>
+      <p:sp>
+        <p:nvSpPr>
+          <p:cNvPr id="3" name="内容占位符 2">
+            <a:extLst>
+              <a:ext uri="{FF2B5EF4-FFF2-40B4-BE49-F238E27FC236}">
+                <a16:creationId xmlns:a16="http://schemas.microsoft.com/office/drawing/2014/main" id="{7060439F-2729-478E-B95F-230482B50AA1}"/>
+              </a:ext>
+            </a:extLst>
+          </p:cNvPr>
+          <p:cNvSpPr>
+            <a:spLocks noGrp="1"/>
+          </p:cNvSpPr>
+          <p:nvPr>
+            <p:ph idx="1"/>
+          </p:nvPr>
+        </p:nvSpPr>
+        <p:spPr>
+          <a:xfrm>
+            <a:off x="685801" y="2142067"/>
+            <a:ext cx="5532119" cy="3993690"/>
+          </a:xfrm>
+        </p:spPr>
+        <p:txBody>
+          <a:bodyPr anchor="t">
+            <a:normAutofit/>
+          </a:bodyPr>
+          <a:lstStyle/>
+          <a:p>
+            <a:r>
+              <a:rPr lang="en-MY" dirty="0"/>
+              <a:t>change string content with build in functions</a:t>
+            </a:r>
+          </a:p>
+          <a:p>
+            <a:pPr lvl="1"/>
+            <a:r>
+              <a:rPr lang="en-MY" dirty="0"/>
+              <a:t>capitalize(), upper(), lower(), strip(), replace(),split()</a:t>
+            </a:r>
+          </a:p>
+          <a:p>
+            <a:pPr lvl="1"/>
+            <a:r>
+              <a:rPr lang="en-MY" dirty="0"/>
+              <a:t>Those function keep the original string unchanged, return a modified string (or another type, like list)</a:t>
+            </a:r>
+          </a:p>
+          <a:p>
+            <a:pPr lvl="1"/>
+            <a:r>
+              <a:rPr lang="en-MY" dirty="0"/>
+              <a:t>Other string manipulating function like find(), </a:t>
+            </a:r>
+            <a:r>
+              <a:rPr lang="en-MY" dirty="0" err="1"/>
+              <a:t>expandtabs</a:t>
+            </a:r>
+            <a:r>
+              <a:rPr lang="en-MY" dirty="0"/>
+              <a:t>(), format() etc.</a:t>
+            </a:r>
+          </a:p>
+          <a:p>
+            <a:r>
+              <a:rPr lang="en-MY" dirty="0"/>
+              <a:t>String is </a:t>
+            </a:r>
+            <a:r>
+              <a:rPr lang="en-MY" dirty="0">
+                <a:solidFill>
+                  <a:srgbClr val="FFFF00"/>
+                </a:solidFill>
+              </a:rPr>
+              <a:t>immutable</a:t>
+            </a:r>
+            <a:r>
+              <a:rPr lang="en-MY" dirty="0"/>
+              <a:t>. Change string will not affect the original string value, it will be kept as it is, and will return a new one with the changed content</a:t>
+            </a:r>
+          </a:p>
+        </p:txBody>
+      </p:sp>
+      <p:pic>
+        <p:nvPicPr>
+          <p:cNvPr id="7" name="图片 6">
+            <a:extLst>
+              <a:ext uri="{FF2B5EF4-FFF2-40B4-BE49-F238E27FC236}">
+                <a16:creationId xmlns:a16="http://schemas.microsoft.com/office/drawing/2014/main" id="{0E87A0D6-15A7-456C-81C7-000C78E2DA00}"/>
+              </a:ext>
+            </a:extLst>
+          </p:cNvPr>
+          <p:cNvPicPr>
+            <a:picLocks noChangeAspect="1"/>
+          </p:cNvPicPr>
+          <p:nvPr/>
+        </p:nvPicPr>
+        <p:blipFill>
+          <a:blip r:embed="rId2"/>
+          <a:stretch>
+            <a:fillRect/>
+          </a:stretch>
+        </p:blipFill>
+        <p:spPr>
+          <a:xfrm>
+            <a:off x="6217920" y="1576430"/>
+            <a:ext cx="3970513" cy="4671970"/>
+          </a:xfrm>
+          <a:prstGeom prst="rect">
+            <a:avLst/>
+          </a:prstGeom>
+        </p:spPr>
+      </p:pic>
+    </p:spTree>
+    <p:extLst>
+      <p:ext uri="{BB962C8B-B14F-4D97-AF65-F5344CB8AC3E}">
+        <p14:creationId xmlns:p14="http://schemas.microsoft.com/office/powerpoint/2010/main" val="1167250398"/>
+      </p:ext>
+    </p:extLst>
+  </p:cSld>
+  <p:clrMapOvr>
+    <a:masterClrMapping/>
+  </p:clrMapOvr>
+</p:sld>
+</file>
+
+<file path=ppt/slides/slide15.xml><?xml version="1.0" encoding="utf-8"?>
+<p:sld xmlns:a="http://schemas.openxmlformats.org/drawingml/2006/main" xmlns:r="http://schemas.openxmlformats.org/officeDocument/2006/relationships" xmlns:p="http://schemas.openxmlformats.org/presentationml/2006/main">
+  <p:cSld>
+    <p:spTree>
+      <p:nvGrpSpPr>
+        <p:cNvPr id="1" name=""/>
+        <p:cNvGrpSpPr/>
+        <p:nvPr/>
+      </p:nvGrpSpPr>
+      <p:grpSpPr>
+        <a:xfrm>
+          <a:off x="0" y="0"/>
+          <a:ext cx="0" cy="0"/>
+          <a:chOff x="0" y="0"/>
+          <a:chExt cx="0" cy="0"/>
+        </a:xfrm>
+      </p:grpSpPr>
+      <p:sp>
+        <p:nvSpPr>
+          <p:cNvPr id="2" name="Title 1">
+            <a:extLst>
+              <a:ext uri="{FF2B5EF4-FFF2-40B4-BE49-F238E27FC236}">
+                <a16:creationId xmlns:a16="http://schemas.microsoft.com/office/drawing/2014/main" id="{1C168777-A3B0-4890-8112-40E77C08C33A}"/>
+              </a:ext>
+            </a:extLst>
+          </p:cNvPr>
+          <p:cNvSpPr>
+            <a:spLocks noGrp="1"/>
+          </p:cNvSpPr>
+          <p:nvPr>
+            <p:ph type="title"/>
+          </p:nvPr>
+        </p:nvSpPr>
+        <p:spPr/>
+        <p:txBody>
+          <a:bodyPr/>
+          <a:lstStyle/>
+          <a:p>
+            <a:r>
+              <a:rPr lang="en-US" dirty="0"/>
+              <a:t>In class practice: what is the result for those code?</a:t>
+            </a:r>
+            <a:endParaRPr lang="en-MY" dirty="0"/>
+          </a:p>
+        </p:txBody>
+      </p:sp>
+      <p:pic>
+        <p:nvPicPr>
+          <p:cNvPr id="5" name="Picture 4">
+            <a:extLst>
+              <a:ext uri="{FF2B5EF4-FFF2-40B4-BE49-F238E27FC236}">
+                <a16:creationId xmlns:a16="http://schemas.microsoft.com/office/drawing/2014/main" id="{8B13D62D-5C71-4CEB-88D7-DCB96ADB8E8A}"/>
+              </a:ext>
+            </a:extLst>
+          </p:cNvPr>
+          <p:cNvPicPr>
+            <a:picLocks noChangeAspect="1"/>
+          </p:cNvPicPr>
+          <p:nvPr/>
+        </p:nvPicPr>
+        <p:blipFill>
+          <a:blip r:embed="rId2"/>
+          <a:stretch>
+            <a:fillRect/>
+          </a:stretch>
+        </p:blipFill>
+        <p:spPr>
+          <a:xfrm>
+            <a:off x="1086489" y="2438262"/>
+            <a:ext cx="3381847" cy="990738"/>
+          </a:xfrm>
+          <a:prstGeom prst="rect">
+            <a:avLst/>
+          </a:prstGeom>
+        </p:spPr>
+      </p:pic>
+      <p:pic>
+        <p:nvPicPr>
+          <p:cNvPr id="7" name="Picture 6">
+            <a:extLst>
+              <a:ext uri="{FF2B5EF4-FFF2-40B4-BE49-F238E27FC236}">
+                <a16:creationId xmlns:a16="http://schemas.microsoft.com/office/drawing/2014/main" id="{524B832C-4066-4089-A1E4-9B89D3F008D0}"/>
+              </a:ext>
+            </a:extLst>
+          </p:cNvPr>
+          <p:cNvPicPr>
+            <a:picLocks noChangeAspect="1"/>
+          </p:cNvPicPr>
+          <p:nvPr/>
+        </p:nvPicPr>
+        <p:blipFill>
+          <a:blip r:embed="rId3"/>
+          <a:stretch>
+            <a:fillRect/>
+          </a:stretch>
+        </p:blipFill>
+        <p:spPr>
+          <a:xfrm>
+            <a:off x="1086489" y="4049617"/>
+            <a:ext cx="2705478" cy="381053"/>
+          </a:xfrm>
+          <a:prstGeom prst="rect">
+            <a:avLst/>
+          </a:prstGeom>
+        </p:spPr>
+      </p:pic>
+      <p:pic>
+        <p:nvPicPr>
+          <p:cNvPr id="9" name="Picture 8">
+            <a:extLst>
+              <a:ext uri="{FF2B5EF4-FFF2-40B4-BE49-F238E27FC236}">
+                <a16:creationId xmlns:a16="http://schemas.microsoft.com/office/drawing/2014/main" id="{9EC1806B-0175-4482-816B-99DF445B5A24}"/>
+              </a:ext>
+            </a:extLst>
+          </p:cNvPr>
+          <p:cNvPicPr>
+            <a:picLocks noChangeAspect="1"/>
+          </p:cNvPicPr>
+          <p:nvPr/>
+        </p:nvPicPr>
+        <p:blipFill>
+          <a:blip r:embed="rId4"/>
+          <a:stretch>
+            <a:fillRect/>
+          </a:stretch>
+        </p:blipFill>
+        <p:spPr>
+          <a:xfrm>
+            <a:off x="1086489" y="4917918"/>
+            <a:ext cx="1800476" cy="266737"/>
+          </a:xfrm>
+          <a:prstGeom prst="rect">
+            <a:avLst/>
+          </a:prstGeom>
+        </p:spPr>
+      </p:pic>
+      <p:pic>
+        <p:nvPicPr>
+          <p:cNvPr id="11" name="Picture 10">
+            <a:extLst>
+              <a:ext uri="{FF2B5EF4-FFF2-40B4-BE49-F238E27FC236}">
+                <a16:creationId xmlns:a16="http://schemas.microsoft.com/office/drawing/2014/main" id="{3AB8432B-C323-4445-BF3B-8CE3F5C48652}"/>
+              </a:ext>
+            </a:extLst>
+          </p:cNvPr>
+          <p:cNvPicPr>
+            <a:picLocks noChangeAspect="1"/>
+          </p:cNvPicPr>
+          <p:nvPr/>
+        </p:nvPicPr>
+        <p:blipFill>
+          <a:blip r:embed="rId5"/>
+          <a:stretch>
+            <a:fillRect/>
+          </a:stretch>
+        </p:blipFill>
+        <p:spPr>
+          <a:xfrm>
+            <a:off x="1086489" y="5562350"/>
+            <a:ext cx="1781424" cy="219106"/>
+          </a:xfrm>
+          <a:prstGeom prst="rect">
+            <a:avLst/>
+          </a:prstGeom>
+        </p:spPr>
+      </p:pic>
+      <p:pic>
+        <p:nvPicPr>
+          <p:cNvPr id="13" name="Picture 12">
+            <a:extLst>
+              <a:ext uri="{FF2B5EF4-FFF2-40B4-BE49-F238E27FC236}">
+                <a16:creationId xmlns:a16="http://schemas.microsoft.com/office/drawing/2014/main" id="{6C1EB24A-631B-4A31-910E-3781061AFD68}"/>
+              </a:ext>
+            </a:extLst>
+          </p:cNvPr>
+          <p:cNvPicPr>
+            <a:picLocks noChangeAspect="1"/>
+          </p:cNvPicPr>
+          <p:nvPr/>
+        </p:nvPicPr>
+        <p:blipFill>
+          <a:blip r:embed="rId6"/>
+          <a:stretch>
+            <a:fillRect/>
+          </a:stretch>
+        </p:blipFill>
+        <p:spPr>
+          <a:xfrm>
+            <a:off x="7723666" y="2388193"/>
+            <a:ext cx="2000529" cy="581106"/>
+          </a:xfrm>
+          <a:prstGeom prst="rect">
+            <a:avLst/>
+          </a:prstGeom>
+        </p:spPr>
+      </p:pic>
+      <p:pic>
+        <p:nvPicPr>
+          <p:cNvPr id="15" name="Picture 14">
+            <a:extLst>
+              <a:ext uri="{FF2B5EF4-FFF2-40B4-BE49-F238E27FC236}">
+                <a16:creationId xmlns:a16="http://schemas.microsoft.com/office/drawing/2014/main" id="{5D468DDF-1E14-4F45-98F8-0FD0087BD200}"/>
+              </a:ext>
+            </a:extLst>
+          </p:cNvPr>
+          <p:cNvPicPr>
+            <a:picLocks noChangeAspect="1"/>
+          </p:cNvPicPr>
+          <p:nvPr/>
+        </p:nvPicPr>
+        <p:blipFill>
+          <a:blip r:embed="rId7"/>
+          <a:stretch>
+            <a:fillRect/>
+          </a:stretch>
+        </p:blipFill>
+        <p:spPr>
+          <a:xfrm>
+            <a:off x="7723666" y="3377576"/>
+            <a:ext cx="2152950" cy="228632"/>
+          </a:xfrm>
+          <a:prstGeom prst="rect">
+            <a:avLst/>
+          </a:prstGeom>
+        </p:spPr>
+      </p:pic>
+      <p:pic>
+        <p:nvPicPr>
+          <p:cNvPr id="17" name="Picture 16">
+            <a:extLst>
+              <a:ext uri="{FF2B5EF4-FFF2-40B4-BE49-F238E27FC236}">
+                <a16:creationId xmlns:a16="http://schemas.microsoft.com/office/drawing/2014/main" id="{6B6AA18A-97DF-4611-8737-E7434E38781F}"/>
+              </a:ext>
+            </a:extLst>
+          </p:cNvPr>
+          <p:cNvPicPr>
+            <a:picLocks noChangeAspect="1"/>
+          </p:cNvPicPr>
+          <p:nvPr/>
+        </p:nvPicPr>
+        <p:blipFill>
+          <a:blip r:embed="rId8"/>
+          <a:stretch>
+            <a:fillRect/>
+          </a:stretch>
+        </p:blipFill>
+        <p:spPr>
+          <a:xfrm>
+            <a:off x="7723666" y="4061902"/>
+            <a:ext cx="2162477" cy="438211"/>
+          </a:xfrm>
+          <a:prstGeom prst="rect">
+            <a:avLst/>
+          </a:prstGeom>
+        </p:spPr>
+      </p:pic>
+    </p:spTree>
+    <p:extLst>
+      <p:ext uri="{BB962C8B-B14F-4D97-AF65-F5344CB8AC3E}">
+        <p14:creationId xmlns:p14="http://schemas.microsoft.com/office/powerpoint/2010/main" val="2674231362"/>
+      </p:ext>
+    </p:extLst>
+  </p:cSld>
+  <p:clrMapOvr>
+    <a:masterClrMapping/>
+  </p:clrMapOvr>
+</p:sld>
+</file>
+
+<file path=ppt/slides/slide16.xml><?xml version="1.0" encoding="utf-8"?>
+<p:sld xmlns:a="http://schemas.openxmlformats.org/drawingml/2006/main" xmlns:r="http://schemas.openxmlformats.org/officeDocument/2006/relationships" xmlns:p="http://schemas.openxmlformats.org/presentationml/2006/main">
+  <p:cSld>
+    <p:spTree>
+      <p:nvGrpSpPr>
+        <p:cNvPr id="1" name=""/>
+        <p:cNvGrpSpPr/>
+        <p:nvPr/>
+      </p:nvGrpSpPr>
+      <p:grpSpPr>
+        <a:xfrm>
+          <a:off x="0" y="0"/>
+          <a:ext cx="0" cy="0"/>
+          <a:chOff x="0" y="0"/>
+          <a:chExt cx="0" cy="0"/>
+        </a:xfrm>
+      </p:grpSpPr>
       <p:sp>
         <p:nvSpPr>
           <p:cNvPr id="2" name="Title 1">
@@ -7275,7 +8953,156 @@
 </p:sld>
 </file>
 
-<file path=ppt/slides/slide11.xml><?xml version="1.0" encoding="utf-8"?>
+<file path=ppt/slides/slide17.xml><?xml version="1.0" encoding="utf-8"?>
+<p:sld xmlns:a="http://schemas.openxmlformats.org/drawingml/2006/main" xmlns:r="http://schemas.openxmlformats.org/officeDocument/2006/relationships" xmlns:p="http://schemas.openxmlformats.org/presentationml/2006/main">
+  <p:cSld>
+    <p:spTree>
+      <p:nvGrpSpPr>
+        <p:cNvPr id="1" name=""/>
+        <p:cNvGrpSpPr/>
+        <p:nvPr/>
+      </p:nvGrpSpPr>
+      <p:grpSpPr>
+        <a:xfrm>
+          <a:off x="0" y="0"/>
+          <a:ext cx="0" cy="0"/>
+          <a:chOff x="0" y="0"/>
+          <a:chExt cx="0" cy="0"/>
+        </a:xfrm>
+      </p:grpSpPr>
+      <p:sp>
+        <p:nvSpPr>
+          <p:cNvPr id="2" name="Title 1">
+            <a:extLst>
+              <a:ext uri="{FF2B5EF4-FFF2-40B4-BE49-F238E27FC236}">
+                <a16:creationId xmlns:a16="http://schemas.microsoft.com/office/drawing/2014/main" id="{12D4BC9F-53EB-410B-9512-5A684C343E18}"/>
+              </a:ext>
+            </a:extLst>
+          </p:cNvPr>
+          <p:cNvSpPr>
+            <a:spLocks noGrp="1"/>
+          </p:cNvSpPr>
+          <p:nvPr>
+            <p:ph type="title"/>
+          </p:nvPr>
+        </p:nvSpPr>
+        <p:spPr/>
+        <p:txBody>
+          <a:bodyPr/>
+          <a:lstStyle/>
+          <a:p>
+            <a:r>
+              <a:rPr lang="en-US" dirty="0"/>
+              <a:t>In class practice: what is the result for those code?</a:t>
+            </a:r>
+            <a:endParaRPr lang="en-MY" dirty="0"/>
+          </a:p>
+        </p:txBody>
+      </p:sp>
+      <p:pic>
+        <p:nvPicPr>
+          <p:cNvPr id="5" name="Picture 4">
+            <a:extLst>
+              <a:ext uri="{FF2B5EF4-FFF2-40B4-BE49-F238E27FC236}">
+                <a16:creationId xmlns:a16="http://schemas.microsoft.com/office/drawing/2014/main" id="{E1D6FD2C-80E5-4B13-9AA0-3D1E57512878}"/>
+              </a:ext>
+            </a:extLst>
+          </p:cNvPr>
+          <p:cNvPicPr>
+            <a:picLocks noChangeAspect="1"/>
+          </p:cNvPicPr>
+          <p:nvPr/>
+        </p:nvPicPr>
+        <p:blipFill>
+          <a:blip r:embed="rId2"/>
+          <a:stretch>
+            <a:fillRect/>
+          </a:stretch>
+        </p:blipFill>
+        <p:spPr>
+          <a:xfrm>
+            <a:off x="1215949" y="2146256"/>
+            <a:ext cx="4344006" cy="943107"/>
+          </a:xfrm>
+          <a:prstGeom prst="rect">
+            <a:avLst/>
+          </a:prstGeom>
+        </p:spPr>
+      </p:pic>
+      <p:pic>
+        <p:nvPicPr>
+          <p:cNvPr id="7" name="Picture 6">
+            <a:extLst>
+              <a:ext uri="{FF2B5EF4-FFF2-40B4-BE49-F238E27FC236}">
+                <a16:creationId xmlns:a16="http://schemas.microsoft.com/office/drawing/2014/main" id="{822229E7-BA0E-44FF-9390-0920EFD258A3}"/>
+              </a:ext>
+            </a:extLst>
+          </p:cNvPr>
+          <p:cNvPicPr>
+            <a:picLocks noChangeAspect="1"/>
+          </p:cNvPicPr>
+          <p:nvPr/>
+        </p:nvPicPr>
+        <p:blipFill>
+          <a:blip r:embed="rId3"/>
+          <a:stretch>
+            <a:fillRect/>
+          </a:stretch>
+        </p:blipFill>
+        <p:spPr>
+          <a:xfrm>
+            <a:off x="1215949" y="3741355"/>
+            <a:ext cx="7582958" cy="1171739"/>
+          </a:xfrm>
+          <a:prstGeom prst="rect">
+            <a:avLst/>
+          </a:prstGeom>
+        </p:spPr>
+      </p:pic>
+      <p:pic>
+        <p:nvPicPr>
+          <p:cNvPr id="9" name="Picture 8">
+            <a:extLst>
+              <a:ext uri="{FF2B5EF4-FFF2-40B4-BE49-F238E27FC236}">
+                <a16:creationId xmlns:a16="http://schemas.microsoft.com/office/drawing/2014/main" id="{FE808AFD-3F42-4B0F-B2E9-3B8A0B412362}"/>
+              </a:ext>
+            </a:extLst>
+          </p:cNvPr>
+          <p:cNvPicPr>
+            <a:picLocks noChangeAspect="1"/>
+          </p:cNvPicPr>
+          <p:nvPr/>
+        </p:nvPicPr>
+        <p:blipFill>
+          <a:blip r:embed="rId4"/>
+          <a:stretch>
+            <a:fillRect/>
+          </a:stretch>
+        </p:blipFill>
+        <p:spPr>
+          <a:xfrm>
+            <a:off x="1215949" y="5525877"/>
+            <a:ext cx="7535327" cy="1257475"/>
+          </a:xfrm>
+          <a:prstGeom prst="rect">
+            <a:avLst/>
+          </a:prstGeom>
+        </p:spPr>
+      </p:pic>
+    </p:spTree>
+    <p:extLst>
+      <p:ext uri="{BB962C8B-B14F-4D97-AF65-F5344CB8AC3E}">
+        <p14:creationId xmlns:p14="http://schemas.microsoft.com/office/powerpoint/2010/main" val="3299326056"/>
+      </p:ext>
+    </p:extLst>
+  </p:cSld>
+  <p:clrMapOvr>
+    <a:masterClrMapping/>
+  </p:clrMapOvr>
+</p:sld>
+</file>
+
+<file path=ppt/slides/slide18.xml><?xml version="1.0" encoding="utf-8"?>
 <p:sld xmlns:a="http://schemas.openxmlformats.org/drawingml/2006/main" xmlns:r="http://schemas.openxmlformats.org/officeDocument/2006/relationships" xmlns:p="http://schemas.openxmlformats.org/presentationml/2006/main">
   <p:cSld>
     <p:spTree>
@@ -7419,7 +9246,303 @@
 </p:sld>
 </file>
 
-<file path=ppt/slides/slide12.xml><?xml version="1.0" encoding="utf-8"?>
+<file path=ppt/slides/slide19.xml><?xml version="1.0" encoding="utf-8"?>
+<p:sld xmlns:a="http://schemas.openxmlformats.org/drawingml/2006/main" xmlns:r="http://schemas.openxmlformats.org/officeDocument/2006/relationships" xmlns:p="http://schemas.openxmlformats.org/presentationml/2006/main">
+  <p:cSld>
+    <p:spTree>
+      <p:nvGrpSpPr>
+        <p:cNvPr id="1" name=""/>
+        <p:cNvGrpSpPr/>
+        <p:nvPr/>
+      </p:nvGrpSpPr>
+      <p:grpSpPr>
+        <a:xfrm>
+          <a:off x="0" y="0"/>
+          <a:ext cx="0" cy="0"/>
+          <a:chOff x="0" y="0"/>
+          <a:chExt cx="0" cy="0"/>
+        </a:xfrm>
+      </p:grpSpPr>
+      <p:sp>
+        <p:nvSpPr>
+          <p:cNvPr id="2" name="Title 1">
+            <a:extLst>
+              <a:ext uri="{FF2B5EF4-FFF2-40B4-BE49-F238E27FC236}">
+                <a16:creationId xmlns:a16="http://schemas.microsoft.com/office/drawing/2014/main" id="{1C253053-7368-4BEC-A484-7D6C06A356BC}"/>
+              </a:ext>
+            </a:extLst>
+          </p:cNvPr>
+          <p:cNvSpPr>
+            <a:spLocks noGrp="1"/>
+          </p:cNvSpPr>
+          <p:nvPr>
+            <p:ph type="title"/>
+          </p:nvPr>
+        </p:nvSpPr>
+        <p:spPr/>
+        <p:txBody>
+          <a:bodyPr/>
+          <a:lstStyle/>
+          <a:p>
+            <a:r>
+              <a:rPr lang="en-US" dirty="0"/>
+              <a:t>In class practice: what is the result for those code?</a:t>
+            </a:r>
+            <a:endParaRPr lang="en-MY" dirty="0"/>
+          </a:p>
+        </p:txBody>
+      </p:sp>
+      <p:pic>
+        <p:nvPicPr>
+          <p:cNvPr id="5" name="Picture 4">
+            <a:extLst>
+              <a:ext uri="{FF2B5EF4-FFF2-40B4-BE49-F238E27FC236}">
+                <a16:creationId xmlns:a16="http://schemas.microsoft.com/office/drawing/2014/main" id="{11FE2EA5-F325-4AD3-8EC9-AC00C2DA2CE4}"/>
+              </a:ext>
+            </a:extLst>
+          </p:cNvPr>
+          <p:cNvPicPr>
+            <a:picLocks noChangeAspect="1"/>
+          </p:cNvPicPr>
+          <p:nvPr/>
+        </p:nvPicPr>
+        <p:blipFill>
+          <a:blip r:embed="rId2"/>
+          <a:stretch>
+            <a:fillRect/>
+          </a:stretch>
+        </p:blipFill>
+        <p:spPr>
+          <a:xfrm>
+            <a:off x="890057" y="2623250"/>
+            <a:ext cx="5639587" cy="1019317"/>
+          </a:xfrm>
+          <a:prstGeom prst="rect">
+            <a:avLst/>
+          </a:prstGeom>
+        </p:spPr>
+      </p:pic>
+    </p:spTree>
+    <p:extLst>
+      <p:ext uri="{BB962C8B-B14F-4D97-AF65-F5344CB8AC3E}">
+        <p14:creationId xmlns:p14="http://schemas.microsoft.com/office/powerpoint/2010/main" val="2909057316"/>
+      </p:ext>
+    </p:extLst>
+  </p:cSld>
+  <p:clrMapOvr>
+    <a:masterClrMapping/>
+  </p:clrMapOvr>
+</p:sld>
+</file>
+
+<file path=ppt/slides/slide2.xml><?xml version="1.0" encoding="utf-8"?>
+<p:sld xmlns:a="http://schemas.openxmlformats.org/drawingml/2006/main" xmlns:r="http://schemas.openxmlformats.org/officeDocument/2006/relationships" xmlns:p="http://schemas.openxmlformats.org/presentationml/2006/main">
+  <p:cSld>
+    <p:spTree>
+      <p:nvGrpSpPr>
+        <p:cNvPr id="1" name=""/>
+        <p:cNvGrpSpPr/>
+        <p:nvPr/>
+      </p:nvGrpSpPr>
+      <p:grpSpPr>
+        <a:xfrm>
+          <a:off x="0" y="0"/>
+          <a:ext cx="0" cy="0"/>
+          <a:chOff x="0" y="0"/>
+          <a:chExt cx="0" cy="0"/>
+        </a:xfrm>
+      </p:grpSpPr>
+      <p:sp>
+        <p:nvSpPr>
+          <p:cNvPr id="3" name="内容占位符 2">
+            <a:extLst>
+              <a:ext uri="{FF2B5EF4-FFF2-40B4-BE49-F238E27FC236}">
+                <a16:creationId xmlns:a16="http://schemas.microsoft.com/office/drawing/2014/main" id="{7060439F-2729-478E-B95F-230482B50AA1}"/>
+              </a:ext>
+            </a:extLst>
+          </p:cNvPr>
+          <p:cNvSpPr>
+            <a:spLocks noGrp="1"/>
+          </p:cNvSpPr>
+          <p:nvPr>
+            <p:ph idx="1"/>
+          </p:nvPr>
+        </p:nvSpPr>
+        <p:spPr/>
+        <p:txBody>
+          <a:bodyPr anchor="t">
+            <a:normAutofit/>
+          </a:bodyPr>
+          <a:lstStyle/>
+          <a:p>
+            <a:r>
+              <a:rPr lang="en-US" dirty="0"/>
+              <a:t>String is a collection of letters. Three ways to give a string value: single quote, double quote, triple quote.</a:t>
+            </a:r>
+          </a:p>
+          <a:p>
+            <a:r>
+              <a:rPr lang="en-US" dirty="0"/>
+              <a:t>it can be used in for loop statement</a:t>
+            </a:r>
+          </a:p>
+          <a:p>
+            <a:pPr lvl="1"/>
+            <a:endParaRPr lang="en-US" dirty="0"/>
+          </a:p>
+          <a:p>
+            <a:pPr lvl="1"/>
+            <a:endParaRPr lang="en-MY" dirty="0"/>
+          </a:p>
+          <a:p>
+            <a:pPr lvl="1"/>
+            <a:endParaRPr lang="en-MY" dirty="0"/>
+          </a:p>
+          <a:p>
+            <a:pPr lvl="1"/>
+            <a:endParaRPr lang="en-MY" dirty="0"/>
+          </a:p>
+        </p:txBody>
+      </p:sp>
+      <p:pic>
+        <p:nvPicPr>
+          <p:cNvPr id="6" name="图片 5">
+            <a:extLst>
+              <a:ext uri="{FF2B5EF4-FFF2-40B4-BE49-F238E27FC236}">
+                <a16:creationId xmlns:a16="http://schemas.microsoft.com/office/drawing/2014/main" id="{F83CCE3F-562B-45E2-AC5D-E13C127B03DA}"/>
+              </a:ext>
+            </a:extLst>
+          </p:cNvPr>
+          <p:cNvPicPr>
+            <a:picLocks noChangeAspect="1"/>
+          </p:cNvPicPr>
+          <p:nvPr/>
+        </p:nvPicPr>
+        <p:blipFill>
+          <a:blip r:embed="rId2"/>
+          <a:stretch>
+            <a:fillRect/>
+          </a:stretch>
+        </p:blipFill>
+        <p:spPr>
+          <a:xfrm>
+            <a:off x="1452065" y="3239484"/>
+            <a:ext cx="6594219" cy="2113723"/>
+          </a:xfrm>
+          <a:prstGeom prst="rect">
+            <a:avLst/>
+          </a:prstGeom>
+        </p:spPr>
+      </p:pic>
+      <p:sp>
+        <p:nvSpPr>
+          <p:cNvPr id="2" name="标题 1">
+            <a:extLst>
+              <a:ext uri="{FF2B5EF4-FFF2-40B4-BE49-F238E27FC236}">
+                <a16:creationId xmlns:a16="http://schemas.microsoft.com/office/drawing/2014/main" id="{5EC01E2D-9CFE-4D5D-8863-3BA90731F07B}"/>
+              </a:ext>
+            </a:extLst>
+          </p:cNvPr>
+          <p:cNvSpPr>
+            <a:spLocks noGrp="1"/>
+          </p:cNvSpPr>
+          <p:nvPr>
+            <p:ph type="title"/>
+          </p:nvPr>
+        </p:nvSpPr>
+        <p:spPr/>
+        <p:txBody>
+          <a:bodyPr/>
+          <a:lstStyle/>
+          <a:p>
+            <a:r>
+              <a:rPr lang="en-US" dirty="0"/>
+              <a:t>string</a:t>
+            </a:r>
+            <a:endParaRPr lang="en-MY" dirty="0"/>
+          </a:p>
+        </p:txBody>
+      </p:sp>
+      <p:sp>
+        <p:nvSpPr>
+          <p:cNvPr id="5" name="标注: 弯曲线形 4">
+            <a:extLst>
+              <a:ext uri="{FF2B5EF4-FFF2-40B4-BE49-F238E27FC236}">
+                <a16:creationId xmlns:a16="http://schemas.microsoft.com/office/drawing/2014/main" id="{26928568-CB66-459F-99EA-7CB2555F4D7F}"/>
+              </a:ext>
+            </a:extLst>
+          </p:cNvPr>
+          <p:cNvSpPr/>
+          <p:nvPr/>
+        </p:nvSpPr>
+        <p:spPr>
+          <a:xfrm>
+            <a:off x="5820792" y="5781583"/>
+            <a:ext cx="3244948" cy="843424"/>
+          </a:xfrm>
+          <a:prstGeom prst="borderCallout2">
+            <a:avLst>
+              <a:gd name="adj1" fmla="val 18750"/>
+              <a:gd name="adj2" fmla="val -8333"/>
+              <a:gd name="adj3" fmla="val 18750"/>
+              <a:gd name="adj4" fmla="val -16667"/>
+              <a:gd name="adj5" fmla="val -120552"/>
+              <a:gd name="adj6" fmla="val -95213"/>
+            </a:avLst>
+          </a:prstGeom>
+          <a:solidFill>
+            <a:schemeClr val="bg2">
+              <a:lumMod val="40000"/>
+              <a:lumOff val="60000"/>
+            </a:schemeClr>
+          </a:solidFill>
+        </p:spPr>
+        <p:style>
+          <a:lnRef idx="2">
+            <a:schemeClr val="accent1">
+              <a:shade val="50000"/>
+            </a:schemeClr>
+          </a:lnRef>
+          <a:fillRef idx="1">
+            <a:schemeClr val="accent1"/>
+          </a:fillRef>
+          <a:effectRef idx="0">
+            <a:schemeClr val="accent1"/>
+          </a:effectRef>
+          <a:fontRef idx="minor">
+            <a:schemeClr val="lt1"/>
+          </a:fontRef>
+        </p:style>
+        <p:txBody>
+          <a:bodyPr rtlCol="0" anchor="ctr"/>
+          <a:lstStyle/>
+          <a:p>
+            <a:r>
+              <a:rPr lang="en-US" dirty="0"/>
+              <a:t>c is string type, the value of c only contains one single letter</a:t>
+            </a:r>
+            <a:endParaRPr lang="en-MY" dirty="0">
+              <a:solidFill>
+                <a:schemeClr val="tx1"/>
+              </a:solidFill>
+            </a:endParaRPr>
+          </a:p>
+        </p:txBody>
+      </p:sp>
+    </p:spTree>
+    <p:extLst>
+      <p:ext uri="{BB962C8B-B14F-4D97-AF65-F5344CB8AC3E}">
+        <p14:creationId xmlns:p14="http://schemas.microsoft.com/office/powerpoint/2010/main" val="2854580649"/>
+      </p:ext>
+    </p:extLst>
+  </p:cSld>
+  <p:clrMapOvr>
+    <a:masterClrMapping/>
+  </p:clrMapOvr>
+</p:sld>
+</file>
+
+<file path=ppt/slides/slide20.xml><?xml version="1.0" encoding="utf-8"?>
 <p:sld xmlns:a="http://schemas.openxmlformats.org/drawingml/2006/main" xmlns:r="http://schemas.openxmlformats.org/officeDocument/2006/relationships" xmlns:p="http://schemas.openxmlformats.org/presentationml/2006/main">
   <p:cSld>
     <p:spTree>
@@ -7563,7 +9686,96 @@
 </p:sld>
 </file>
 
-<file path=ppt/slides/slide13.xml><?xml version="1.0" encoding="utf-8"?>
+<file path=ppt/slides/slide21.xml><?xml version="1.0" encoding="utf-8"?>
+<p:sld xmlns:a="http://schemas.openxmlformats.org/drawingml/2006/main" xmlns:r="http://schemas.openxmlformats.org/officeDocument/2006/relationships" xmlns:p="http://schemas.openxmlformats.org/presentationml/2006/main">
+  <p:cSld>
+    <p:spTree>
+      <p:nvGrpSpPr>
+        <p:cNvPr id="1" name=""/>
+        <p:cNvGrpSpPr/>
+        <p:nvPr/>
+      </p:nvGrpSpPr>
+      <p:grpSpPr>
+        <a:xfrm>
+          <a:off x="0" y="0"/>
+          <a:ext cx="0" cy="0"/>
+          <a:chOff x="0" y="0"/>
+          <a:chExt cx="0" cy="0"/>
+        </a:xfrm>
+      </p:grpSpPr>
+      <p:sp>
+        <p:nvSpPr>
+          <p:cNvPr id="2" name="Title 1">
+            <a:extLst>
+              <a:ext uri="{FF2B5EF4-FFF2-40B4-BE49-F238E27FC236}">
+                <a16:creationId xmlns:a16="http://schemas.microsoft.com/office/drawing/2014/main" id="{6F87F887-3BEB-4C3C-9580-849959A20D50}"/>
+              </a:ext>
+            </a:extLst>
+          </p:cNvPr>
+          <p:cNvSpPr>
+            <a:spLocks noGrp="1"/>
+          </p:cNvSpPr>
+          <p:nvPr>
+            <p:ph type="title"/>
+          </p:nvPr>
+        </p:nvSpPr>
+        <p:spPr/>
+        <p:txBody>
+          <a:bodyPr/>
+          <a:lstStyle/>
+          <a:p>
+            <a:r>
+              <a:rPr lang="en-US" dirty="0"/>
+              <a:t>In class practice: what is the result for those code?</a:t>
+            </a:r>
+            <a:endParaRPr lang="en-MY" dirty="0"/>
+          </a:p>
+        </p:txBody>
+      </p:sp>
+      <p:pic>
+        <p:nvPicPr>
+          <p:cNvPr id="4" name="Picture 3">
+            <a:extLst>
+              <a:ext uri="{FF2B5EF4-FFF2-40B4-BE49-F238E27FC236}">
+                <a16:creationId xmlns:a16="http://schemas.microsoft.com/office/drawing/2014/main" id="{8490F3ED-C0EF-40F5-B22F-18156C98BC03}"/>
+              </a:ext>
+            </a:extLst>
+          </p:cNvPr>
+          <p:cNvPicPr>
+            <a:picLocks noChangeAspect="1"/>
+          </p:cNvPicPr>
+          <p:nvPr/>
+        </p:nvPicPr>
+        <p:blipFill>
+          <a:blip r:embed="rId2"/>
+          <a:stretch>
+            <a:fillRect/>
+          </a:stretch>
+        </p:blipFill>
+        <p:spPr>
+          <a:xfrm>
+            <a:off x="1163869" y="3286737"/>
+            <a:ext cx="5144218" cy="981212"/>
+          </a:xfrm>
+          <a:prstGeom prst="rect">
+            <a:avLst/>
+          </a:prstGeom>
+        </p:spPr>
+      </p:pic>
+    </p:spTree>
+    <p:extLst>
+      <p:ext uri="{BB962C8B-B14F-4D97-AF65-F5344CB8AC3E}">
+        <p14:creationId xmlns:p14="http://schemas.microsoft.com/office/powerpoint/2010/main" val="3931874696"/>
+      </p:ext>
+    </p:extLst>
+  </p:cSld>
+  <p:clrMapOvr>
+    <a:masterClrMapping/>
+  </p:clrMapOvr>
+</p:sld>
+</file>
+
+<file path=ppt/slides/slide22.xml><?xml version="1.0" encoding="utf-8"?>
 <p:sld xmlns:a="http://schemas.openxmlformats.org/drawingml/2006/main" xmlns:r="http://schemas.openxmlformats.org/officeDocument/2006/relationships" xmlns:p="http://schemas.openxmlformats.org/presentationml/2006/main">
   <p:cSld>
     <p:spTree>
@@ -7701,7 +9913,213 @@
 </p:sld>
 </file>
 
-<file path=ppt/slides/slide14.xml><?xml version="1.0" encoding="utf-8"?>
+<file path=ppt/slides/slide23.xml><?xml version="1.0" encoding="utf-8"?>
+<p:sld xmlns:a="http://schemas.openxmlformats.org/drawingml/2006/main" xmlns:r="http://schemas.openxmlformats.org/officeDocument/2006/relationships" xmlns:p="http://schemas.openxmlformats.org/presentationml/2006/main">
+  <p:cSld>
+    <p:spTree>
+      <p:nvGrpSpPr>
+        <p:cNvPr id="1" name=""/>
+        <p:cNvGrpSpPr/>
+        <p:nvPr/>
+      </p:nvGrpSpPr>
+      <p:grpSpPr>
+        <a:xfrm>
+          <a:off x="0" y="0"/>
+          <a:ext cx="0" cy="0"/>
+          <a:chOff x="0" y="0"/>
+          <a:chExt cx="0" cy="0"/>
+        </a:xfrm>
+      </p:grpSpPr>
+      <p:sp>
+        <p:nvSpPr>
+          <p:cNvPr id="2" name="Title 1">
+            <a:extLst>
+              <a:ext uri="{FF2B5EF4-FFF2-40B4-BE49-F238E27FC236}">
+                <a16:creationId xmlns:a16="http://schemas.microsoft.com/office/drawing/2014/main" id="{A248BAFA-DCCB-4604-9FD1-4AC0BF0CE6E5}"/>
+              </a:ext>
+            </a:extLst>
+          </p:cNvPr>
+          <p:cNvSpPr>
+            <a:spLocks noGrp="1"/>
+          </p:cNvSpPr>
+          <p:nvPr>
+            <p:ph type="title"/>
+          </p:nvPr>
+        </p:nvSpPr>
+        <p:spPr/>
+        <p:txBody>
+          <a:bodyPr/>
+          <a:lstStyle/>
+          <a:p>
+            <a:r>
+              <a:rPr lang="en-US" dirty="0"/>
+              <a:t>In class practice: what is the result for those code?</a:t>
+            </a:r>
+            <a:endParaRPr lang="en-MY" dirty="0"/>
+          </a:p>
+        </p:txBody>
+      </p:sp>
+      <p:pic>
+        <p:nvPicPr>
+          <p:cNvPr id="5" name="Picture 4">
+            <a:extLst>
+              <a:ext uri="{FF2B5EF4-FFF2-40B4-BE49-F238E27FC236}">
+                <a16:creationId xmlns:a16="http://schemas.microsoft.com/office/drawing/2014/main" id="{38FBC781-705C-4D1B-9004-F52D91C7B254}"/>
+              </a:ext>
+            </a:extLst>
+          </p:cNvPr>
+          <p:cNvPicPr>
+            <a:picLocks noChangeAspect="1"/>
+          </p:cNvPicPr>
+          <p:nvPr/>
+        </p:nvPicPr>
+        <p:blipFill>
+          <a:blip r:embed="rId2"/>
+          <a:stretch>
+            <a:fillRect/>
+          </a:stretch>
+        </p:blipFill>
+        <p:spPr>
+          <a:xfrm>
+            <a:off x="797545" y="3775697"/>
+            <a:ext cx="1571844" cy="838317"/>
+          </a:xfrm>
+          <a:prstGeom prst="rect">
+            <a:avLst/>
+          </a:prstGeom>
+        </p:spPr>
+      </p:pic>
+      <p:pic>
+        <p:nvPicPr>
+          <p:cNvPr id="7" name="Picture 6">
+            <a:extLst>
+              <a:ext uri="{FF2B5EF4-FFF2-40B4-BE49-F238E27FC236}">
+                <a16:creationId xmlns:a16="http://schemas.microsoft.com/office/drawing/2014/main" id="{288F3A7E-EAA2-4E1A-8FB5-0C035C0B4F76}"/>
+              </a:ext>
+            </a:extLst>
+          </p:cNvPr>
+          <p:cNvPicPr>
+            <a:picLocks noChangeAspect="1"/>
+          </p:cNvPicPr>
+          <p:nvPr/>
+        </p:nvPicPr>
+        <p:blipFill>
+          <a:blip r:embed="rId3"/>
+          <a:stretch>
+            <a:fillRect/>
+          </a:stretch>
+        </p:blipFill>
+        <p:spPr>
+          <a:xfrm>
+            <a:off x="797545" y="2590683"/>
+            <a:ext cx="1505160" cy="514422"/>
+          </a:xfrm>
+          <a:prstGeom prst="rect">
+            <a:avLst/>
+          </a:prstGeom>
+        </p:spPr>
+      </p:pic>
+      <p:pic>
+        <p:nvPicPr>
+          <p:cNvPr id="9" name="Picture 8">
+            <a:extLst>
+              <a:ext uri="{FF2B5EF4-FFF2-40B4-BE49-F238E27FC236}">
+                <a16:creationId xmlns:a16="http://schemas.microsoft.com/office/drawing/2014/main" id="{C42E081E-E5C4-4248-9B21-C700E1F5D724}"/>
+              </a:ext>
+            </a:extLst>
+          </p:cNvPr>
+          <p:cNvPicPr>
+            <a:picLocks noChangeAspect="1"/>
+          </p:cNvPicPr>
+          <p:nvPr/>
+        </p:nvPicPr>
+        <p:blipFill rotWithShape="1">
+          <a:blip r:embed="rId4"/>
+          <a:srcRect l="2336" b="2058"/>
+          <a:stretch/>
+        </p:blipFill>
+        <p:spPr>
+          <a:xfrm>
+            <a:off x="5019675" y="2671645"/>
+            <a:ext cx="1265328" cy="793073"/>
+          </a:xfrm>
+          <a:prstGeom prst="rect">
+            <a:avLst/>
+          </a:prstGeom>
+        </p:spPr>
+      </p:pic>
+      <p:pic>
+        <p:nvPicPr>
+          <p:cNvPr id="11" name="Picture 10">
+            <a:extLst>
+              <a:ext uri="{FF2B5EF4-FFF2-40B4-BE49-F238E27FC236}">
+                <a16:creationId xmlns:a16="http://schemas.microsoft.com/office/drawing/2014/main" id="{6A3C02EC-E4C9-4CC4-A4D5-E082383D0C31}"/>
+              </a:ext>
+            </a:extLst>
+          </p:cNvPr>
+          <p:cNvPicPr>
+            <a:picLocks noChangeAspect="1"/>
+          </p:cNvPicPr>
+          <p:nvPr/>
+        </p:nvPicPr>
+        <p:blipFill rotWithShape="1">
+          <a:blip r:embed="rId5"/>
+          <a:srcRect l="2089" b="8566"/>
+          <a:stretch/>
+        </p:blipFill>
+        <p:spPr>
+          <a:xfrm>
+            <a:off x="5019675" y="3607336"/>
+            <a:ext cx="1417748" cy="226468"/>
+          </a:xfrm>
+          <a:prstGeom prst="rect">
+            <a:avLst/>
+          </a:prstGeom>
+        </p:spPr>
+      </p:pic>
+      <p:pic>
+        <p:nvPicPr>
+          <p:cNvPr id="13" name="Picture 12">
+            <a:extLst>
+              <a:ext uri="{FF2B5EF4-FFF2-40B4-BE49-F238E27FC236}">
+                <a16:creationId xmlns:a16="http://schemas.microsoft.com/office/drawing/2014/main" id="{ED56C43A-FA21-4F84-8329-22A559E1448D}"/>
+              </a:ext>
+            </a:extLst>
+          </p:cNvPr>
+          <p:cNvPicPr>
+            <a:picLocks noChangeAspect="1"/>
+          </p:cNvPicPr>
+          <p:nvPr/>
+        </p:nvPicPr>
+        <p:blipFill rotWithShape="1">
+          <a:blip r:embed="rId6"/>
+          <a:srcRect l="886" t="1" b="5686"/>
+          <a:stretch/>
+        </p:blipFill>
+        <p:spPr>
+          <a:xfrm>
+            <a:off x="5019675" y="3971666"/>
+            <a:ext cx="1520155" cy="197659"/>
+          </a:xfrm>
+          <a:prstGeom prst="rect">
+            <a:avLst/>
+          </a:prstGeom>
+        </p:spPr>
+      </p:pic>
+    </p:spTree>
+    <p:extLst>
+      <p:ext uri="{BB962C8B-B14F-4D97-AF65-F5344CB8AC3E}">
+        <p14:creationId xmlns:p14="http://schemas.microsoft.com/office/powerpoint/2010/main" val="960295348"/>
+      </p:ext>
+    </p:extLst>
+  </p:cSld>
+  <p:clrMapOvr>
+    <a:masterClrMapping/>
+  </p:clrMapOvr>
+</p:sld>
+</file>
+
+<file path=ppt/slides/slide24.xml><?xml version="1.0" encoding="utf-8"?>
 <p:sld xmlns:a="http://schemas.openxmlformats.org/drawingml/2006/main" xmlns:r="http://schemas.openxmlformats.org/officeDocument/2006/relationships" xmlns:p="http://schemas.openxmlformats.org/presentationml/2006/main">
   <p:cSld>
     <p:spTree>
@@ -7859,7 +10277,7 @@
 </p:sld>
 </file>
 
-<file path=ppt/slides/slide2.xml><?xml version="1.0" encoding="utf-8"?>
+<file path=ppt/slides/slide25.xml><?xml version="1.0" encoding="utf-8"?>
 <p:sld xmlns:a="http://schemas.openxmlformats.org/drawingml/2006/main" xmlns:r="http://schemas.openxmlformats.org/officeDocument/2006/relationships" xmlns:p="http://schemas.openxmlformats.org/presentationml/2006/main">
   <p:cSld>
     <p:spTree>
@@ -7878,10 +10296,10 @@
       </p:grpSpPr>
       <p:sp>
         <p:nvSpPr>
-          <p:cNvPr id="3" name="内容占位符 2">
+          <p:cNvPr id="2" name="Title 1">
             <a:extLst>
               <a:ext uri="{FF2B5EF4-FFF2-40B4-BE49-F238E27FC236}">
-                <a16:creationId xmlns:a16="http://schemas.microsoft.com/office/drawing/2014/main" id="{7060439F-2729-478E-B95F-230482B50AA1}"/>
+                <a16:creationId xmlns:a16="http://schemas.microsoft.com/office/drawing/2014/main" id="{A0AD7A60-1DEF-4DD4-9339-15A1C1A360EC}"/>
               </a:ext>
             </a:extLst>
           </p:cNvPr>
@@ -7889,51 +10307,28 @@
             <a:spLocks noGrp="1"/>
           </p:cNvSpPr>
           <p:nvPr>
-            <p:ph idx="1"/>
+            <p:ph type="title"/>
           </p:nvPr>
         </p:nvSpPr>
         <p:spPr/>
         <p:txBody>
-          <a:bodyPr anchor="t">
-            <a:normAutofit/>
-          </a:bodyPr>
+          <a:bodyPr/>
           <a:lstStyle/>
           <a:p>
             <a:r>
               <a:rPr lang="en-US" dirty="0"/>
-              <a:t>String is a collection of letters. Three ways to give a string value: single quote, double quote, triple quote.</a:t>
-            </a:r>
-          </a:p>
-          <a:p>
-            <a:r>
-              <a:rPr lang="en-US" dirty="0"/>
-              <a:t>it can be used in for loop statement</a:t>
-            </a:r>
-          </a:p>
-          <a:p>
-            <a:pPr lvl="1"/>
-            <a:endParaRPr lang="en-US" dirty="0"/>
-          </a:p>
-          <a:p>
-            <a:pPr lvl="1"/>
-            <a:endParaRPr lang="en-MY" dirty="0"/>
-          </a:p>
-          <a:p>
-            <a:pPr lvl="1"/>
-            <a:endParaRPr lang="en-MY" dirty="0"/>
-          </a:p>
-          <a:p>
-            <a:pPr lvl="1"/>
+              <a:t>In class practice: what is the result for those code?</a:t>
+            </a:r>
             <a:endParaRPr lang="en-MY" dirty="0"/>
           </a:p>
         </p:txBody>
       </p:sp>
       <p:pic>
         <p:nvPicPr>
-          <p:cNvPr id="6" name="图片 5">
+          <p:cNvPr id="5" name="Picture 4">
             <a:extLst>
               <a:ext uri="{FF2B5EF4-FFF2-40B4-BE49-F238E27FC236}">
-                <a16:creationId xmlns:a16="http://schemas.microsoft.com/office/drawing/2014/main" id="{F83CCE3F-562B-45E2-AC5D-E13C127B03DA}"/>
+                <a16:creationId xmlns:a16="http://schemas.microsoft.com/office/drawing/2014/main" id="{40E95EAB-0F1C-4873-BA89-FBB65887A454}"/>
               </a:ext>
             </a:extLst>
           </p:cNvPr>
@@ -7942,121 +10337,83 @@
           </p:cNvPicPr>
           <p:nvPr/>
         </p:nvPicPr>
-        <p:blipFill>
+        <p:blipFill rotWithShape="1">
           <a:blip r:embed="rId2"/>
-          <a:stretch>
-            <a:fillRect/>
-          </a:stretch>
+          <a:srcRect l="1437" t="-1" b="1111"/>
+          <a:stretch/>
         </p:blipFill>
         <p:spPr>
           <a:xfrm>
-            <a:off x="1452065" y="3239484"/>
-            <a:ext cx="6594219" cy="2113723"/>
+            <a:off x="805655" y="2438280"/>
+            <a:ext cx="1586819" cy="847845"/>
           </a:xfrm>
           <a:prstGeom prst="rect">
             <a:avLst/>
           </a:prstGeom>
         </p:spPr>
       </p:pic>
-      <p:sp>
-        <p:nvSpPr>
-          <p:cNvPr id="2" name="标题 1">
+      <p:pic>
+        <p:nvPicPr>
+          <p:cNvPr id="7" name="Picture 6">
             <a:extLst>
               <a:ext uri="{FF2B5EF4-FFF2-40B4-BE49-F238E27FC236}">
-                <a16:creationId xmlns:a16="http://schemas.microsoft.com/office/drawing/2014/main" id="{5EC01E2D-9CFE-4D5D-8863-3BA90731F07B}"/>
+                <a16:creationId xmlns:a16="http://schemas.microsoft.com/office/drawing/2014/main" id="{85B4693D-9DBC-4AA2-A92E-462A436B556D}"/>
               </a:ext>
             </a:extLst>
           </p:cNvPr>
-          <p:cNvSpPr>
-            <a:spLocks noGrp="1"/>
-          </p:cNvSpPr>
-          <p:nvPr>
-            <p:ph type="title"/>
-          </p:nvPr>
-        </p:nvSpPr>
-        <p:spPr/>
-        <p:txBody>
-          <a:bodyPr/>
-          <a:lstStyle/>
-          <a:p>
-            <a:r>
-              <a:rPr lang="en-US" dirty="0"/>
-              <a:t>string</a:t>
-            </a:r>
-            <a:endParaRPr lang="en-MY" dirty="0"/>
-          </a:p>
-        </p:txBody>
-      </p:sp>
-      <p:sp>
-        <p:nvSpPr>
-          <p:cNvPr id="5" name="标注: 弯曲线形 4">
+          <p:cNvPicPr>
+            <a:picLocks noChangeAspect="1"/>
+          </p:cNvPicPr>
+          <p:nvPr/>
+        </p:nvPicPr>
+        <p:blipFill rotWithShape="1">
+          <a:blip r:embed="rId3"/>
+          <a:srcRect b="3705"/>
+          <a:stretch/>
+        </p:blipFill>
+        <p:spPr>
+          <a:xfrm>
+            <a:off x="3926113" y="2438280"/>
+            <a:ext cx="3267531" cy="990720"/>
+          </a:xfrm>
+          <a:prstGeom prst="rect">
+            <a:avLst/>
+          </a:prstGeom>
+        </p:spPr>
+      </p:pic>
+      <p:pic>
+        <p:nvPicPr>
+          <p:cNvPr id="9" name="Picture 8">
             <a:extLst>
               <a:ext uri="{FF2B5EF4-FFF2-40B4-BE49-F238E27FC236}">
-                <a16:creationId xmlns:a16="http://schemas.microsoft.com/office/drawing/2014/main" id="{26928568-CB66-459F-99EA-7CB2555F4D7F}"/>
+                <a16:creationId xmlns:a16="http://schemas.microsoft.com/office/drawing/2014/main" id="{4E9C1F95-858A-4DB2-91BF-50013E606145}"/>
               </a:ext>
             </a:extLst>
           </p:cNvPr>
-          <p:cNvSpPr/>
+          <p:cNvPicPr>
+            <a:picLocks noChangeAspect="1"/>
+          </p:cNvPicPr>
           <p:nvPr/>
-        </p:nvSpPr>
+        </p:nvPicPr>
+        <p:blipFill rotWithShape="1">
+          <a:blip r:embed="rId4"/>
+          <a:srcRect l="943" b="563"/>
+          <a:stretch/>
+        </p:blipFill>
         <p:spPr>
           <a:xfrm>
-            <a:off x="5820792" y="5781583"/>
-            <a:ext cx="3244948" cy="843424"/>
+            <a:off x="8762999" y="2438280"/>
+            <a:ext cx="2623345" cy="1136730"/>
           </a:xfrm>
-          <a:prstGeom prst="borderCallout2">
-            <a:avLst>
-              <a:gd name="adj1" fmla="val 18750"/>
-              <a:gd name="adj2" fmla="val -8333"/>
-              <a:gd name="adj3" fmla="val 18750"/>
-              <a:gd name="adj4" fmla="val -16667"/>
-              <a:gd name="adj5" fmla="val -120552"/>
-              <a:gd name="adj6" fmla="val -95213"/>
-            </a:avLst>
+          <a:prstGeom prst="rect">
+            <a:avLst/>
           </a:prstGeom>
-          <a:solidFill>
-            <a:schemeClr val="bg2">
-              <a:lumMod val="40000"/>
-              <a:lumOff val="60000"/>
-            </a:schemeClr>
-          </a:solidFill>
         </p:spPr>
-        <p:style>
-          <a:lnRef idx="2">
-            <a:schemeClr val="accent1">
-              <a:shade val="50000"/>
-            </a:schemeClr>
-          </a:lnRef>
-          <a:fillRef idx="1">
-            <a:schemeClr val="accent1"/>
-          </a:fillRef>
-          <a:effectRef idx="0">
-            <a:schemeClr val="accent1"/>
-          </a:effectRef>
-          <a:fontRef idx="minor">
-            <a:schemeClr val="lt1"/>
-          </a:fontRef>
-        </p:style>
-        <p:txBody>
-          <a:bodyPr rtlCol="0" anchor="ctr"/>
-          <a:lstStyle/>
-          <a:p>
-            <a:r>
-              <a:rPr lang="en-US" dirty="0"/>
-              <a:t>c is string type, the value of c only contains one single letter</a:t>
-            </a:r>
-            <a:endParaRPr lang="en-MY" dirty="0">
-              <a:solidFill>
-                <a:schemeClr val="tx1"/>
-              </a:solidFill>
-            </a:endParaRPr>
-          </a:p>
-        </p:txBody>
-      </p:sp>
+      </p:pic>
     </p:spTree>
     <p:extLst>
       <p:ext uri="{BB962C8B-B14F-4D97-AF65-F5344CB8AC3E}">
-        <p14:creationId xmlns:p14="http://schemas.microsoft.com/office/powerpoint/2010/main" val="2854580649"/>
+        <p14:creationId xmlns:p14="http://schemas.microsoft.com/office/powerpoint/2010/main" val="1875932169"/>
       </p:ext>
     </p:extLst>
   </p:cSld>
@@ -8813,6 +11170,154 @@
       </p:grpSpPr>
       <p:sp>
         <p:nvSpPr>
+          <p:cNvPr id="2" name="Title 1">
+            <a:extLst>
+              <a:ext uri="{FF2B5EF4-FFF2-40B4-BE49-F238E27FC236}">
+                <a16:creationId xmlns:a16="http://schemas.microsoft.com/office/drawing/2014/main" id="{42E9CBF1-03A9-471C-9F2A-46D4A01416EC}"/>
+              </a:ext>
+            </a:extLst>
+          </p:cNvPr>
+          <p:cNvSpPr>
+            <a:spLocks noGrp="1"/>
+          </p:cNvSpPr>
+          <p:nvPr>
+            <p:ph type="title"/>
+          </p:nvPr>
+        </p:nvSpPr>
+        <p:spPr/>
+        <p:txBody>
+          <a:bodyPr/>
+          <a:lstStyle/>
+          <a:p>
+            <a:r>
+              <a:rPr lang="en-US" dirty="0"/>
+              <a:t>In class practice: what is the result for those code?</a:t>
+            </a:r>
+            <a:endParaRPr lang="en-MY" dirty="0"/>
+          </a:p>
+        </p:txBody>
+      </p:sp>
+      <p:pic>
+        <p:nvPicPr>
+          <p:cNvPr id="5" name="Picture 4">
+            <a:extLst>
+              <a:ext uri="{FF2B5EF4-FFF2-40B4-BE49-F238E27FC236}">
+                <a16:creationId xmlns:a16="http://schemas.microsoft.com/office/drawing/2014/main" id="{D12E3B46-A511-4C14-BC4A-177659E879ED}"/>
+              </a:ext>
+            </a:extLst>
+          </p:cNvPr>
+          <p:cNvPicPr>
+            <a:picLocks noChangeAspect="1"/>
+          </p:cNvPicPr>
+          <p:nvPr/>
+        </p:nvPicPr>
+        <p:blipFill>
+          <a:blip r:embed="rId2"/>
+          <a:stretch>
+            <a:fillRect/>
+          </a:stretch>
+        </p:blipFill>
+        <p:spPr>
+          <a:xfrm>
+            <a:off x="2141649" y="2527233"/>
+            <a:ext cx="2010758" cy="385785"/>
+          </a:xfrm>
+          <a:prstGeom prst="rect">
+            <a:avLst/>
+          </a:prstGeom>
+        </p:spPr>
+      </p:pic>
+      <p:pic>
+        <p:nvPicPr>
+          <p:cNvPr id="7" name="Picture 6">
+            <a:extLst>
+              <a:ext uri="{FF2B5EF4-FFF2-40B4-BE49-F238E27FC236}">
+                <a16:creationId xmlns:a16="http://schemas.microsoft.com/office/drawing/2014/main" id="{D3CE277B-978F-4784-82C9-5F9E93ABF9C1}"/>
+              </a:ext>
+            </a:extLst>
+          </p:cNvPr>
+          <p:cNvPicPr>
+            <a:picLocks noChangeAspect="1"/>
+          </p:cNvPicPr>
+          <p:nvPr/>
+        </p:nvPicPr>
+        <p:blipFill rotWithShape="1">
+          <a:blip r:embed="rId3"/>
+          <a:srcRect t="10957"/>
+          <a:stretch/>
+        </p:blipFill>
+        <p:spPr>
+          <a:xfrm>
+            <a:off x="2141650" y="3844178"/>
+            <a:ext cx="2010757" cy="385785"/>
+          </a:xfrm>
+          <a:prstGeom prst="rect">
+            <a:avLst/>
+          </a:prstGeom>
+        </p:spPr>
+      </p:pic>
+      <p:pic>
+        <p:nvPicPr>
+          <p:cNvPr id="9" name="Picture 8">
+            <a:extLst>
+              <a:ext uri="{FF2B5EF4-FFF2-40B4-BE49-F238E27FC236}">
+                <a16:creationId xmlns:a16="http://schemas.microsoft.com/office/drawing/2014/main" id="{ED17F685-C074-41D1-A5D9-8DA56E5E7D17}"/>
+              </a:ext>
+            </a:extLst>
+          </p:cNvPr>
+          <p:cNvPicPr>
+            <a:picLocks noChangeAspect="1"/>
+          </p:cNvPicPr>
+          <p:nvPr/>
+        </p:nvPicPr>
+        <p:blipFill>
+          <a:blip r:embed="rId4"/>
+          <a:stretch>
+            <a:fillRect/>
+          </a:stretch>
+        </p:blipFill>
+        <p:spPr>
+          <a:xfrm>
+            <a:off x="2144274" y="5161124"/>
+            <a:ext cx="2008133" cy="1087276"/>
+          </a:xfrm>
+          <a:prstGeom prst="rect">
+            <a:avLst/>
+          </a:prstGeom>
+        </p:spPr>
+      </p:pic>
+    </p:spTree>
+    <p:extLst>
+      <p:ext uri="{BB962C8B-B14F-4D97-AF65-F5344CB8AC3E}">
+        <p14:creationId xmlns:p14="http://schemas.microsoft.com/office/powerpoint/2010/main" val="917892453"/>
+      </p:ext>
+    </p:extLst>
+  </p:cSld>
+  <p:clrMapOvr>
+    <a:masterClrMapping/>
+  </p:clrMapOvr>
+</p:sld>
+</file>
+
+<file path=ppt/slides/slide6.xml><?xml version="1.0" encoding="utf-8"?>
+<p:sld xmlns:a="http://schemas.openxmlformats.org/drawingml/2006/main" xmlns:r="http://schemas.openxmlformats.org/officeDocument/2006/relationships" xmlns:p="http://schemas.openxmlformats.org/presentationml/2006/main">
+  <p:cSld>
+    <p:spTree>
+      <p:nvGrpSpPr>
+        <p:cNvPr id="1" name=""/>
+        <p:cNvGrpSpPr/>
+        <p:nvPr/>
+      </p:nvGrpSpPr>
+      <p:grpSpPr>
+        <a:xfrm>
+          <a:off x="0" y="0"/>
+          <a:ext cx="0" cy="0"/>
+          <a:chOff x="0" y="0"/>
+          <a:chExt cx="0" cy="0"/>
+        </a:xfrm>
+      </p:grpSpPr>
+      <p:sp>
+        <p:nvSpPr>
           <p:cNvPr id="2" name="标题 1">
             <a:extLst>
               <a:ext uri="{FF2B5EF4-FFF2-40B4-BE49-F238E27FC236}">
@@ -8940,7 +11445,124 @@
 </p:sld>
 </file>
 
-<file path=ppt/slides/slide6.xml><?xml version="1.0" encoding="utf-8"?>
+<file path=ppt/slides/slide7.xml><?xml version="1.0" encoding="utf-8"?>
+<p:sld xmlns:a="http://schemas.openxmlformats.org/drawingml/2006/main" xmlns:r="http://schemas.openxmlformats.org/officeDocument/2006/relationships" xmlns:p="http://schemas.openxmlformats.org/presentationml/2006/main">
+  <p:cSld>
+    <p:spTree>
+      <p:nvGrpSpPr>
+        <p:cNvPr id="1" name=""/>
+        <p:cNvGrpSpPr/>
+        <p:nvPr/>
+      </p:nvGrpSpPr>
+      <p:grpSpPr>
+        <a:xfrm>
+          <a:off x="0" y="0"/>
+          <a:ext cx="0" cy="0"/>
+          <a:chOff x="0" y="0"/>
+          <a:chExt cx="0" cy="0"/>
+        </a:xfrm>
+      </p:grpSpPr>
+      <p:sp>
+        <p:nvSpPr>
+          <p:cNvPr id="2" name="Title 1">
+            <a:extLst>
+              <a:ext uri="{FF2B5EF4-FFF2-40B4-BE49-F238E27FC236}">
+                <a16:creationId xmlns:a16="http://schemas.microsoft.com/office/drawing/2014/main" id="{8E7FEB35-E875-49E5-A8DF-80E9C23327C7}"/>
+              </a:ext>
+            </a:extLst>
+          </p:cNvPr>
+          <p:cNvSpPr>
+            <a:spLocks noGrp="1"/>
+          </p:cNvSpPr>
+          <p:nvPr>
+            <p:ph type="title"/>
+          </p:nvPr>
+        </p:nvSpPr>
+        <p:spPr/>
+        <p:txBody>
+          <a:bodyPr/>
+          <a:lstStyle/>
+          <a:p>
+            <a:r>
+              <a:rPr lang="en-US" dirty="0"/>
+              <a:t>In class practice: what is the result for those code?</a:t>
+            </a:r>
+            <a:endParaRPr lang="en-MY" dirty="0"/>
+          </a:p>
+        </p:txBody>
+      </p:sp>
+      <p:pic>
+        <p:nvPicPr>
+          <p:cNvPr id="5" name="Picture 4">
+            <a:extLst>
+              <a:ext uri="{FF2B5EF4-FFF2-40B4-BE49-F238E27FC236}">
+                <a16:creationId xmlns:a16="http://schemas.microsoft.com/office/drawing/2014/main" id="{304FAC56-D49D-4472-9023-05ABA7DCE57D}"/>
+              </a:ext>
+            </a:extLst>
+          </p:cNvPr>
+          <p:cNvPicPr>
+            <a:picLocks noChangeAspect="1"/>
+          </p:cNvPicPr>
+          <p:nvPr/>
+        </p:nvPicPr>
+        <p:blipFill rotWithShape="1">
+          <a:blip r:embed="rId2"/>
+          <a:srcRect l="1318"/>
+          <a:stretch/>
+        </p:blipFill>
+        <p:spPr>
+          <a:xfrm>
+            <a:off x="847249" y="2344634"/>
+            <a:ext cx="2011753" cy="1152686"/>
+          </a:xfrm>
+          <a:prstGeom prst="rect">
+            <a:avLst/>
+          </a:prstGeom>
+        </p:spPr>
+      </p:pic>
+      <p:pic>
+        <p:nvPicPr>
+          <p:cNvPr id="7" name="Picture 6">
+            <a:extLst>
+              <a:ext uri="{FF2B5EF4-FFF2-40B4-BE49-F238E27FC236}">
+                <a16:creationId xmlns:a16="http://schemas.microsoft.com/office/drawing/2014/main" id="{493DADCC-D3D8-4E57-B3A1-4E3B1416B940}"/>
+              </a:ext>
+            </a:extLst>
+          </p:cNvPr>
+          <p:cNvPicPr>
+            <a:picLocks noChangeAspect="1"/>
+          </p:cNvPicPr>
+          <p:nvPr/>
+        </p:nvPicPr>
+        <p:blipFill rotWithShape="1">
+          <a:blip r:embed="rId3"/>
+          <a:srcRect l="1590"/>
+          <a:stretch/>
+        </p:blipFill>
+        <p:spPr>
+          <a:xfrm>
+            <a:off x="4075748" y="2628788"/>
+            <a:ext cx="2081212" cy="800212"/>
+          </a:xfrm>
+          <a:prstGeom prst="rect">
+            <a:avLst/>
+          </a:prstGeom>
+        </p:spPr>
+      </p:pic>
+    </p:spTree>
+    <p:extLst>
+      <p:ext uri="{BB962C8B-B14F-4D97-AF65-F5344CB8AC3E}">
+        <p14:creationId xmlns:p14="http://schemas.microsoft.com/office/powerpoint/2010/main" val="153350714"/>
+      </p:ext>
+    </p:extLst>
+  </p:cSld>
+  <p:clrMapOvr>
+    <a:masterClrMapping/>
+  </p:clrMapOvr>
+</p:sld>
+</file>
+
+<file path=ppt/slides/slide8.xml><?xml version="1.0" encoding="utf-8"?>
 <p:sld xmlns:a="http://schemas.openxmlformats.org/drawingml/2006/main" xmlns:r="http://schemas.openxmlformats.org/officeDocument/2006/relationships" xmlns:p="http://schemas.openxmlformats.org/presentationml/2006/main">
   <p:cSld>
     <p:spTree>
@@ -9102,367 +11724,6 @@
 </p:sld>
 </file>
 
-<file path=ppt/slides/slide7.xml><?xml version="1.0" encoding="utf-8"?>
-<p:sld xmlns:a="http://schemas.openxmlformats.org/drawingml/2006/main" xmlns:r="http://schemas.openxmlformats.org/officeDocument/2006/relationships" xmlns:p="http://schemas.openxmlformats.org/presentationml/2006/main">
-  <p:cSld>
-    <p:spTree>
-      <p:nvGrpSpPr>
-        <p:cNvPr id="1" name=""/>
-        <p:cNvGrpSpPr/>
-        <p:nvPr/>
-      </p:nvGrpSpPr>
-      <p:grpSpPr>
-        <a:xfrm>
-          <a:off x="0" y="0"/>
-          <a:ext cx="0" cy="0"/>
-          <a:chOff x="0" y="0"/>
-          <a:chExt cx="0" cy="0"/>
-        </a:xfrm>
-      </p:grpSpPr>
-      <p:pic>
-        <p:nvPicPr>
-          <p:cNvPr id="9" name="Picture 8">
-            <a:extLst>
-              <a:ext uri="{FF2B5EF4-FFF2-40B4-BE49-F238E27FC236}">
-                <a16:creationId xmlns:a16="http://schemas.microsoft.com/office/drawing/2014/main" id="{9EA71C3C-F5F7-4DEC-A1C8-A141A1515314}"/>
-              </a:ext>
-            </a:extLst>
-          </p:cNvPr>
-          <p:cNvPicPr>
-            <a:picLocks noChangeAspect="1"/>
-          </p:cNvPicPr>
-          <p:nvPr/>
-        </p:nvPicPr>
-        <p:blipFill>
-          <a:blip r:embed="rId2"/>
-          <a:stretch>
-            <a:fillRect/>
-          </a:stretch>
-        </p:blipFill>
-        <p:spPr>
-          <a:xfrm>
-            <a:off x="4494960" y="1175808"/>
-            <a:ext cx="2324301" cy="4328535"/>
-          </a:xfrm>
-          <a:prstGeom prst="rect">
-            <a:avLst/>
-          </a:prstGeom>
-        </p:spPr>
-      </p:pic>
-      <p:sp>
-        <p:nvSpPr>
-          <p:cNvPr id="2" name="标题 1">
-            <a:extLst>
-              <a:ext uri="{FF2B5EF4-FFF2-40B4-BE49-F238E27FC236}">
-                <a16:creationId xmlns:a16="http://schemas.microsoft.com/office/drawing/2014/main" id="{5EC01E2D-9CFE-4D5D-8863-3BA90731F07B}"/>
-              </a:ext>
-            </a:extLst>
-          </p:cNvPr>
-          <p:cNvSpPr>
-            <a:spLocks noGrp="1"/>
-          </p:cNvSpPr>
-          <p:nvPr>
-            <p:ph type="title"/>
-          </p:nvPr>
-        </p:nvSpPr>
-        <p:spPr/>
-        <p:txBody>
-          <a:bodyPr/>
-          <a:lstStyle/>
-          <a:p>
-            <a:r>
-              <a:rPr lang="en-US" dirty="0"/>
-              <a:t>string</a:t>
-            </a:r>
-            <a:endParaRPr lang="en-MY" dirty="0"/>
-          </a:p>
-        </p:txBody>
-      </p:sp>
-      <p:sp>
-        <p:nvSpPr>
-          <p:cNvPr id="3" name="内容占位符 2">
-            <a:extLst>
-              <a:ext uri="{FF2B5EF4-FFF2-40B4-BE49-F238E27FC236}">
-                <a16:creationId xmlns:a16="http://schemas.microsoft.com/office/drawing/2014/main" id="{7060439F-2729-478E-B95F-230482B50AA1}"/>
-              </a:ext>
-            </a:extLst>
-          </p:cNvPr>
-          <p:cNvSpPr>
-            <a:spLocks noGrp="1"/>
-          </p:cNvSpPr>
-          <p:nvPr>
-            <p:ph idx="1"/>
-          </p:nvPr>
-        </p:nvSpPr>
-        <p:spPr>
-          <a:xfrm>
-            <a:off x="685801" y="2142067"/>
-            <a:ext cx="7107701" cy="3649133"/>
-          </a:xfrm>
-        </p:spPr>
-        <p:txBody>
-          <a:bodyPr anchor="t">
-            <a:normAutofit/>
-          </a:bodyPr>
-          <a:lstStyle/>
-          <a:p>
-            <a:r>
-              <a:rPr lang="en-MY" dirty="0"/>
-              <a:t>String </a:t>
-            </a:r>
-            <a:r>
-              <a:rPr lang="en-MY" dirty="0">
-                <a:solidFill>
-                  <a:srgbClr val="FFFF00"/>
-                </a:solidFill>
-              </a:rPr>
-              <a:t>slicing</a:t>
-            </a:r>
-          </a:p>
-          <a:p>
-            <a:pPr lvl="1"/>
-            <a:endParaRPr lang="en-MY" dirty="0"/>
-          </a:p>
-          <a:p>
-            <a:pPr lvl="1"/>
-            <a:endParaRPr lang="en-MY" dirty="0"/>
-          </a:p>
-        </p:txBody>
-      </p:sp>
-      <p:sp>
-        <p:nvSpPr>
-          <p:cNvPr id="6" name="标注: 弯曲线形 5">
-            <a:extLst>
-              <a:ext uri="{FF2B5EF4-FFF2-40B4-BE49-F238E27FC236}">
-                <a16:creationId xmlns:a16="http://schemas.microsoft.com/office/drawing/2014/main" id="{E4DBFA76-697A-4623-9E8D-2FFA324C5F1E}"/>
-              </a:ext>
-            </a:extLst>
-          </p:cNvPr>
-          <p:cNvSpPr/>
-          <p:nvPr/>
-        </p:nvSpPr>
-        <p:spPr>
-          <a:xfrm>
-            <a:off x="8423227" y="3690719"/>
-            <a:ext cx="3244948" cy="723589"/>
-          </a:xfrm>
-          <a:prstGeom prst="borderCallout2">
-            <a:avLst>
-              <a:gd name="adj1" fmla="val 18750"/>
-              <a:gd name="adj2" fmla="val -8333"/>
-              <a:gd name="adj3" fmla="val 18750"/>
-              <a:gd name="adj4" fmla="val -16667"/>
-              <a:gd name="adj5" fmla="val 219759"/>
-              <a:gd name="adj6" fmla="val -54021"/>
-            </a:avLst>
-          </a:prstGeom>
-          <a:solidFill>
-            <a:schemeClr val="bg2">
-              <a:lumMod val="40000"/>
-              <a:lumOff val="60000"/>
-            </a:schemeClr>
-          </a:solidFill>
-        </p:spPr>
-        <p:style>
-          <a:lnRef idx="2">
-            <a:schemeClr val="accent1">
-              <a:shade val="50000"/>
-            </a:schemeClr>
-          </a:lnRef>
-          <a:fillRef idx="1">
-            <a:schemeClr val="accent1"/>
-          </a:fillRef>
-          <a:effectRef idx="0">
-            <a:schemeClr val="accent1"/>
-          </a:effectRef>
-          <a:fontRef idx="minor">
-            <a:schemeClr val="lt1"/>
-          </a:fontRef>
-        </p:style>
-        <p:txBody>
-          <a:bodyPr rtlCol="0" anchor="ctr"/>
-          <a:lstStyle/>
-          <a:p>
-            <a:r>
-              <a:rPr lang="en-US" dirty="0">
-                <a:solidFill>
-                  <a:schemeClr val="tx1"/>
-                </a:solidFill>
-              </a:rPr>
-              <a:t>This results in an empty string</a:t>
-            </a:r>
-            <a:endParaRPr lang="en-MY" dirty="0">
-              <a:solidFill>
-                <a:schemeClr val="tx1"/>
-              </a:solidFill>
-            </a:endParaRPr>
-          </a:p>
-        </p:txBody>
-      </p:sp>
-      <mc:AlternateContent xmlns:mc="http://schemas.openxmlformats.org/markup-compatibility/2006" xmlns:p14="http://schemas.microsoft.com/office/powerpoint/2010/main">
-        <mc:Choice Requires="p14">
-          <p:contentPart p14:bwMode="auto" r:id="rId3">
-            <p14:nvContentPartPr>
-              <p14:cNvPr id="4" name="Ink 3">
-                <a:extLst>
-                  <a:ext uri="{FF2B5EF4-FFF2-40B4-BE49-F238E27FC236}">
-                    <a16:creationId xmlns:a16="http://schemas.microsoft.com/office/drawing/2014/main" id="{2CCD9326-0229-4263-8D81-3D8917EA5A88}"/>
-                  </a:ext>
-                </a:extLst>
-              </p14:cNvPr>
-              <p14:cNvContentPartPr/>
-              <p14:nvPr/>
-            </p14:nvContentPartPr>
-            <p14:xfrm>
-              <a:off x="2370873" y="837028"/>
-              <a:ext cx="3600" cy="33480"/>
-            </p14:xfrm>
-          </p:contentPart>
-        </mc:Choice>
-        <mc:Fallback xmlns="">
-          <p:pic>
-            <p:nvPicPr>
-              <p:cNvPr id="4" name="Ink 3">
-                <a:extLst>
-                  <a:ext uri="{FF2B5EF4-FFF2-40B4-BE49-F238E27FC236}">
-                    <a16:creationId xmlns:a16="http://schemas.microsoft.com/office/drawing/2014/main" id="{2CCD9326-0229-4263-8D81-3D8917EA5A88}"/>
-                  </a:ext>
-                </a:extLst>
-              </p:cNvPr>
-              <p:cNvPicPr/>
-              <p:nvPr/>
-            </p:nvPicPr>
-            <p:blipFill>
-              <a:blip r:embed="rId4"/>
-              <a:stretch>
-                <a:fillRect/>
-              </a:stretch>
-            </p:blipFill>
-            <p:spPr>
-              <a:xfrm>
-                <a:off x="2361873" y="828388"/>
-                <a:ext cx="21240" cy="51120"/>
-              </a:xfrm>
-              <a:prstGeom prst="rect">
-                <a:avLst/>
-              </a:prstGeom>
-            </p:spPr>
-          </p:pic>
-        </mc:Fallback>
-      </mc:AlternateContent>
-    </p:spTree>
-    <p:extLst>
-      <p:ext uri="{BB962C8B-B14F-4D97-AF65-F5344CB8AC3E}">
-        <p14:creationId xmlns:p14="http://schemas.microsoft.com/office/powerpoint/2010/main" val="3450450490"/>
-      </p:ext>
-    </p:extLst>
-  </p:cSld>
-  <p:clrMapOvr>
-    <a:masterClrMapping/>
-  </p:clrMapOvr>
-</p:sld>
-</file>
-
-<file path=ppt/slides/slide8.xml><?xml version="1.0" encoding="utf-8"?>
-<p:sld xmlns:a="http://schemas.openxmlformats.org/drawingml/2006/main" xmlns:r="http://schemas.openxmlformats.org/officeDocument/2006/relationships" xmlns:p="http://schemas.openxmlformats.org/presentationml/2006/main">
-  <p:cSld>
-    <p:spTree>
-      <p:nvGrpSpPr>
-        <p:cNvPr id="1" name=""/>
-        <p:cNvGrpSpPr/>
-        <p:nvPr/>
-      </p:nvGrpSpPr>
-      <p:grpSpPr>
-        <a:xfrm>
-          <a:off x="0" y="0"/>
-          <a:ext cx="0" cy="0"/>
-          <a:chOff x="0" y="0"/>
-          <a:chExt cx="0" cy="0"/>
-        </a:xfrm>
-      </p:grpSpPr>
-      <p:sp>
-        <p:nvSpPr>
-          <p:cNvPr id="2" name="Title 1">
-            <a:extLst>
-              <a:ext uri="{FF2B5EF4-FFF2-40B4-BE49-F238E27FC236}">
-                <a16:creationId xmlns:a16="http://schemas.microsoft.com/office/drawing/2014/main" id="{40B36137-F030-4500-B927-F8B95B4A0C97}"/>
-              </a:ext>
-            </a:extLst>
-          </p:cNvPr>
-          <p:cNvSpPr>
-            <a:spLocks noGrp="1"/>
-          </p:cNvSpPr>
-          <p:nvPr>
-            <p:ph type="title"/>
-          </p:nvPr>
-        </p:nvSpPr>
-        <p:spPr/>
-        <p:txBody>
-          <a:bodyPr/>
-          <a:lstStyle/>
-          <a:p>
-            <a:r>
-              <a:rPr lang="en-US" dirty="0"/>
-              <a:t>unpacking</a:t>
-            </a:r>
-            <a:endParaRPr lang="en-MY" dirty="0"/>
-          </a:p>
-        </p:txBody>
-      </p:sp>
-      <p:sp>
-        <p:nvSpPr>
-          <p:cNvPr id="3" name="Content Placeholder 2">
-            <a:extLst>
-              <a:ext uri="{FF2B5EF4-FFF2-40B4-BE49-F238E27FC236}">
-                <a16:creationId xmlns:a16="http://schemas.microsoft.com/office/drawing/2014/main" id="{0DE55A57-290D-49CB-B85D-C720BD67627A}"/>
-              </a:ext>
-            </a:extLst>
-          </p:cNvPr>
-          <p:cNvSpPr>
-            <a:spLocks noGrp="1"/>
-          </p:cNvSpPr>
-          <p:nvPr>
-            <p:ph idx="1"/>
-          </p:nvPr>
-        </p:nvSpPr>
-        <p:spPr/>
-        <p:txBody>
-          <a:bodyPr anchor="t"/>
-          <a:lstStyle/>
-          <a:p>
-            <a:r>
-              <a:rPr lang="en-US" dirty="0"/>
-              <a:t>str data in python can use with </a:t>
-            </a:r>
-            <a:r>
-              <a:rPr lang="en-US" dirty="0">
-                <a:solidFill>
-                  <a:srgbClr val="FFFF00"/>
-                </a:solidFill>
-              </a:rPr>
-              <a:t>unpack</a:t>
-            </a:r>
-            <a:endParaRPr lang="en-MY" dirty="0">
-              <a:solidFill>
-                <a:srgbClr val="FFFF00"/>
-              </a:solidFill>
-            </a:endParaRPr>
-          </a:p>
-        </p:txBody>
-      </p:sp>
-    </p:spTree>
-    <p:extLst>
-      <p:ext uri="{BB962C8B-B14F-4D97-AF65-F5344CB8AC3E}">
-        <p14:creationId xmlns:p14="http://schemas.microsoft.com/office/powerpoint/2010/main" val="285028539"/>
-      </p:ext>
-    </p:extLst>
-  </p:cSld>
-  <p:clrMapOvr>
-    <a:masterClrMapping/>
-  </p:clrMapOvr>
-</p:sld>
-</file>
-
 <file path=ppt/slides/slide9.xml><?xml version="1.0" encoding="utf-8"?>
 <p:sld xmlns:a="http://schemas.openxmlformats.org/drawingml/2006/main" xmlns:r="http://schemas.openxmlformats.org/officeDocument/2006/relationships" xmlns:p="http://schemas.openxmlformats.org/presentationml/2006/main">
   <p:cSld>
@@ -9482,10 +11743,10 @@
       </p:grpSpPr>
       <p:sp>
         <p:nvSpPr>
-          <p:cNvPr id="2" name="标题 1">
+          <p:cNvPr id="2" name="Title 1">
             <a:extLst>
               <a:ext uri="{FF2B5EF4-FFF2-40B4-BE49-F238E27FC236}">
-                <a16:creationId xmlns:a16="http://schemas.microsoft.com/office/drawing/2014/main" id="{5EC01E2D-9CFE-4D5D-8863-3BA90731F07B}"/>
+                <a16:creationId xmlns:a16="http://schemas.microsoft.com/office/drawing/2014/main" id="{DFB3CCB4-0520-4360-9D8C-E6E0C0CD2798}"/>
               </a:ext>
             </a:extLst>
           </p:cNvPr>
@@ -9503,100 +11764,18 @@
           <a:p>
             <a:r>
               <a:rPr lang="en-US" dirty="0"/>
-              <a:t>string</a:t>
+              <a:t>In class practice: what is the result for those code?</a:t>
             </a:r>
             <a:endParaRPr lang="en-MY" dirty="0"/>
           </a:p>
         </p:txBody>
       </p:sp>
-      <p:sp>
-        <p:nvSpPr>
-          <p:cNvPr id="3" name="内容占位符 2">
+      <p:pic>
+        <p:nvPicPr>
+          <p:cNvPr id="5" name="Picture 4">
             <a:extLst>
               <a:ext uri="{FF2B5EF4-FFF2-40B4-BE49-F238E27FC236}">
-                <a16:creationId xmlns:a16="http://schemas.microsoft.com/office/drawing/2014/main" id="{7060439F-2729-478E-B95F-230482B50AA1}"/>
-              </a:ext>
-            </a:extLst>
-          </p:cNvPr>
-          <p:cNvSpPr>
-            <a:spLocks noGrp="1"/>
-          </p:cNvSpPr>
-          <p:nvPr>
-            <p:ph idx="1"/>
-          </p:nvPr>
-        </p:nvSpPr>
-        <p:spPr>
-          <a:xfrm>
-            <a:off x="685801" y="2142067"/>
-            <a:ext cx="5532119" cy="3993690"/>
-          </a:xfrm>
-        </p:spPr>
-        <p:txBody>
-          <a:bodyPr anchor="t">
-            <a:normAutofit/>
-          </a:bodyPr>
-          <a:lstStyle/>
-          <a:p>
-            <a:r>
-              <a:rPr lang="en-MY" dirty="0"/>
-              <a:t>change string content with build in functions</a:t>
-            </a:r>
-          </a:p>
-          <a:p>
-            <a:pPr lvl="1"/>
-            <a:r>
-              <a:rPr lang="en-MY" dirty="0"/>
-              <a:t>capitalize(), upper(), lower(), strip(), replace(),split()</a:t>
-            </a:r>
-          </a:p>
-          <a:p>
-            <a:pPr lvl="1"/>
-            <a:r>
-              <a:rPr lang="en-MY" dirty="0"/>
-              <a:t>Those function keep the original string unchanged, return a modified string (or another type, like list)</a:t>
-            </a:r>
-          </a:p>
-          <a:p>
-            <a:pPr lvl="1"/>
-            <a:r>
-              <a:rPr lang="en-MY" dirty="0"/>
-              <a:t>Other string manipulating function like find(), </a:t>
-            </a:r>
-            <a:r>
-              <a:rPr lang="en-MY" dirty="0" err="1"/>
-              <a:t>expandtabs</a:t>
-            </a:r>
-            <a:r>
-              <a:rPr lang="en-MY" dirty="0"/>
-              <a:t>(), format() etc.</a:t>
-            </a:r>
-          </a:p>
-          <a:p>
-            <a:r>
-              <a:rPr lang="en-MY" dirty="0"/>
-              <a:t>String is </a:t>
-            </a:r>
-            <a:r>
-              <a:rPr lang="en-MY" dirty="0">
-                <a:solidFill>
-                  <a:srgbClr val="FFFF00"/>
-                </a:solidFill>
-              </a:rPr>
-              <a:t>immutable</a:t>
-            </a:r>
-            <a:r>
-              <a:rPr lang="en-MY" dirty="0"/>
-              <a:t>. Change string will not affect the original string value, it will be kept as it is, and will return a new one with the changed content</a:t>
-            </a:r>
-          </a:p>
-        </p:txBody>
-      </p:sp>
-      <p:pic>
-        <p:nvPicPr>
-          <p:cNvPr id="7" name="图片 6">
-            <a:extLst>
-              <a:ext uri="{FF2B5EF4-FFF2-40B4-BE49-F238E27FC236}">
-                <a16:creationId xmlns:a16="http://schemas.microsoft.com/office/drawing/2014/main" id="{0E87A0D6-15A7-456C-81C7-000C78E2DA00}"/>
+                <a16:creationId xmlns:a16="http://schemas.microsoft.com/office/drawing/2014/main" id="{A2D6ADE4-8051-407C-A763-36197658084B}"/>
               </a:ext>
             </a:extLst>
           </p:cNvPr>
@@ -9613,8 +11792,98 @@
         </p:blipFill>
         <p:spPr>
           <a:xfrm>
-            <a:off x="6217920" y="1576430"/>
-            <a:ext cx="3970513" cy="4671970"/>
+            <a:off x="3819992" y="2676781"/>
+            <a:ext cx="2934109" cy="1333686"/>
+          </a:xfrm>
+          <a:prstGeom prst="rect">
+            <a:avLst/>
+          </a:prstGeom>
+        </p:spPr>
+      </p:pic>
+      <p:pic>
+        <p:nvPicPr>
+          <p:cNvPr id="7" name="Picture 6">
+            <a:extLst>
+              <a:ext uri="{FF2B5EF4-FFF2-40B4-BE49-F238E27FC236}">
+                <a16:creationId xmlns:a16="http://schemas.microsoft.com/office/drawing/2014/main" id="{AEE60650-49BB-4DEB-B284-44F7525A5E89}"/>
+              </a:ext>
+            </a:extLst>
+          </p:cNvPr>
+          <p:cNvPicPr>
+            <a:picLocks noChangeAspect="1"/>
+          </p:cNvPicPr>
+          <p:nvPr/>
+        </p:nvPicPr>
+        <p:blipFill>
+          <a:blip r:embed="rId3"/>
+          <a:stretch>
+            <a:fillRect/>
+          </a:stretch>
+        </p:blipFill>
+        <p:spPr>
+          <a:xfrm>
+            <a:off x="8406149" y="2676781"/>
+            <a:ext cx="2981741" cy="1733792"/>
+          </a:xfrm>
+          <a:prstGeom prst="rect">
+            <a:avLst/>
+          </a:prstGeom>
+        </p:spPr>
+      </p:pic>
+      <p:pic>
+        <p:nvPicPr>
+          <p:cNvPr id="9" name="Picture 8">
+            <a:extLst>
+              <a:ext uri="{FF2B5EF4-FFF2-40B4-BE49-F238E27FC236}">
+                <a16:creationId xmlns:a16="http://schemas.microsoft.com/office/drawing/2014/main" id="{BF9AF2E6-DF04-4667-9E67-6A72A75E19FC}"/>
+              </a:ext>
+            </a:extLst>
+          </p:cNvPr>
+          <p:cNvPicPr>
+            <a:picLocks noChangeAspect="1"/>
+          </p:cNvPicPr>
+          <p:nvPr/>
+        </p:nvPicPr>
+        <p:blipFill>
+          <a:blip r:embed="rId4"/>
+          <a:stretch>
+            <a:fillRect/>
+          </a:stretch>
+        </p:blipFill>
+        <p:spPr>
+          <a:xfrm>
+            <a:off x="685801" y="2676781"/>
+            <a:ext cx="2219635" cy="619211"/>
+          </a:xfrm>
+          <a:prstGeom prst="rect">
+            <a:avLst/>
+          </a:prstGeom>
+        </p:spPr>
+      </p:pic>
+      <p:pic>
+        <p:nvPicPr>
+          <p:cNvPr id="11" name="Picture 10">
+            <a:extLst>
+              <a:ext uri="{FF2B5EF4-FFF2-40B4-BE49-F238E27FC236}">
+                <a16:creationId xmlns:a16="http://schemas.microsoft.com/office/drawing/2014/main" id="{F321773D-F7C5-4B22-96CC-FC8DEDB7371E}"/>
+              </a:ext>
+            </a:extLst>
+          </p:cNvPr>
+          <p:cNvPicPr>
+            <a:picLocks noChangeAspect="1"/>
+          </p:cNvPicPr>
+          <p:nvPr/>
+        </p:nvPicPr>
+        <p:blipFill>
+          <a:blip r:embed="rId5"/>
+          <a:stretch>
+            <a:fillRect/>
+          </a:stretch>
+        </p:blipFill>
+        <p:spPr>
+          <a:xfrm>
+            <a:off x="710416" y="3640166"/>
+            <a:ext cx="1457528" cy="285790"/>
           </a:xfrm>
           <a:prstGeom prst="rect">
             <a:avLst/>
@@ -9624,7 +11893,7 @@
     </p:spTree>
     <p:extLst>
       <p:ext uri="{BB962C8B-B14F-4D97-AF65-F5344CB8AC3E}">
-        <p14:creationId xmlns:p14="http://schemas.microsoft.com/office/powerpoint/2010/main" val="1167250398"/>
+        <p14:creationId xmlns:p14="http://schemas.microsoft.com/office/powerpoint/2010/main" val="2697128416"/>
       </p:ext>
     </p:extLst>
   </p:cSld>
